--- a/SE401/Lectures/4-Static Testing/Static Testing.pptx
+++ b/SE401/Lectures/4-Static Testing/Static Testing.pptx
@@ -4,6 +4,9 @@
   <p:sldMasterIdLst>
     <p:sldMasterId id="2147483648" r:id="rId1"/>
   </p:sldMasterIdLst>
+  <p:notesMasterIdLst>
+    <p:notesMasterId r:id="rId52"/>
+  </p:notesMasterIdLst>
   <p:sldIdLst>
     <p:sldId id="256" r:id="rId2"/>
     <p:sldId id="257" r:id="rId3"/>
@@ -161,6 +164,356 @@
 </p:presentation>
 </file>
 
+<file path=ppt/notesMasters/notesMaster1.xml><?xml version="1.0" encoding="utf-8"?>
+<p:notesMaster xmlns:a="http://schemas.openxmlformats.org/drawingml/2006/main" xmlns:r="http://schemas.openxmlformats.org/officeDocument/2006/relationships" xmlns:p="http://schemas.openxmlformats.org/presentationml/2006/main">
+  <p:cSld>
+    <p:bg>
+      <p:bgRef idx="1001">
+        <a:schemeClr val="bg1"/>
+      </p:bgRef>
+    </p:bg>
+    <p:spTree>
+      <p:nvGrpSpPr>
+        <p:cNvPr id="1" name=""/>
+        <p:cNvGrpSpPr/>
+        <p:nvPr/>
+      </p:nvGrpSpPr>
+      <p:grpSpPr>
+        <a:xfrm>
+          <a:off x="0" y="0"/>
+          <a:ext cx="0" cy="0"/>
+          <a:chOff x="0" y="0"/>
+          <a:chExt cx="0" cy="0"/>
+        </a:xfrm>
+      </p:grpSpPr>
+      <p:sp>
+        <p:nvSpPr>
+          <p:cNvPr id="2" name="Header Placeholder 1"/>
+          <p:cNvSpPr>
+            <a:spLocks noGrp="1"/>
+          </p:cNvSpPr>
+          <p:nvPr>
+            <p:ph type="hdr" sz="quarter"/>
+          </p:nvPr>
+        </p:nvSpPr>
+        <p:spPr>
+          <a:xfrm>
+            <a:off x="0" y="0"/>
+            <a:ext cx="2971800" cy="458788"/>
+          </a:xfrm>
+          <a:prstGeom prst="rect">
+            <a:avLst/>
+          </a:prstGeom>
+        </p:spPr>
+        <p:txBody>
+          <a:bodyPr vert="horz" lIns="91440" tIns="45720" rIns="91440" bIns="45720" rtlCol="0"/>
+          <a:lstStyle>
+            <a:lvl1pPr algn="l">
+              <a:defRPr sz="1200"/>
+            </a:lvl1pPr>
+          </a:lstStyle>
+          <a:p>
+            <a:endParaRPr lang="en-US"/>
+          </a:p>
+        </p:txBody>
+      </p:sp>
+      <p:sp>
+        <p:nvSpPr>
+          <p:cNvPr id="3" name="Date Placeholder 2"/>
+          <p:cNvSpPr>
+            <a:spLocks noGrp="1"/>
+          </p:cNvSpPr>
+          <p:nvPr>
+            <p:ph type="dt" idx="1"/>
+          </p:nvPr>
+        </p:nvSpPr>
+        <p:spPr>
+          <a:xfrm>
+            <a:off x="3884613" y="0"/>
+            <a:ext cx="2971800" cy="458788"/>
+          </a:xfrm>
+          <a:prstGeom prst="rect">
+            <a:avLst/>
+          </a:prstGeom>
+        </p:spPr>
+        <p:txBody>
+          <a:bodyPr vert="horz" lIns="91440" tIns="45720" rIns="91440" bIns="45720" rtlCol="0"/>
+          <a:lstStyle>
+            <a:lvl1pPr algn="r">
+              <a:defRPr sz="1200"/>
+            </a:lvl1pPr>
+          </a:lstStyle>
+          <a:p>
+            <a:fld id="{69F020AB-CBD5-437C-95E8-69FC5AD99968}" type="datetimeFigureOut">
+              <a:rPr lang="en-US" smtClean="0"/>
+              <a:t>2/9/2022</a:t>
+            </a:fld>
+            <a:endParaRPr lang="en-US"/>
+          </a:p>
+        </p:txBody>
+      </p:sp>
+      <p:sp>
+        <p:nvSpPr>
+          <p:cNvPr id="4" name="Slide Image Placeholder 3"/>
+          <p:cNvSpPr>
+            <a:spLocks noGrp="1" noRot="1" noChangeAspect="1"/>
+          </p:cNvSpPr>
+          <p:nvPr>
+            <p:ph type="sldImg" idx="2"/>
+          </p:nvPr>
+        </p:nvSpPr>
+        <p:spPr>
+          <a:xfrm>
+            <a:off x="685800" y="1143000"/>
+            <a:ext cx="5486400" cy="3086100"/>
+          </a:xfrm>
+          <a:prstGeom prst="rect">
+            <a:avLst/>
+          </a:prstGeom>
+          <a:noFill/>
+          <a:ln w="12700">
+            <a:solidFill>
+              <a:prstClr val="black"/>
+            </a:solidFill>
+          </a:ln>
+        </p:spPr>
+        <p:txBody>
+          <a:bodyPr vert="horz" lIns="91440" tIns="45720" rIns="91440" bIns="45720" rtlCol="0" anchor="ctr"/>
+          <a:lstStyle/>
+          <a:p>
+            <a:endParaRPr lang="en-US"/>
+          </a:p>
+        </p:txBody>
+      </p:sp>
+      <p:sp>
+        <p:nvSpPr>
+          <p:cNvPr id="5" name="Notes Placeholder 4"/>
+          <p:cNvSpPr>
+            <a:spLocks noGrp="1"/>
+          </p:cNvSpPr>
+          <p:nvPr>
+            <p:ph type="body" sz="quarter" idx="3"/>
+          </p:nvPr>
+        </p:nvSpPr>
+        <p:spPr>
+          <a:xfrm>
+            <a:off x="685800" y="4400550"/>
+            <a:ext cx="5486400" cy="3600450"/>
+          </a:xfrm>
+          <a:prstGeom prst="rect">
+            <a:avLst/>
+          </a:prstGeom>
+        </p:spPr>
+        <p:txBody>
+          <a:bodyPr vert="horz" lIns="91440" tIns="45720" rIns="91440" bIns="45720" rtlCol="0"/>
+          <a:lstStyle/>
+          <a:p>
+            <a:pPr lvl="0"/>
+            <a:r>
+              <a:rPr lang="en-US" smtClean="0"/>
+              <a:t>Edit Master text styles</a:t>
+            </a:r>
+          </a:p>
+          <a:p>
+            <a:pPr lvl="1"/>
+            <a:r>
+              <a:rPr lang="en-US" smtClean="0"/>
+              <a:t>Second level</a:t>
+            </a:r>
+          </a:p>
+          <a:p>
+            <a:pPr lvl="2"/>
+            <a:r>
+              <a:rPr lang="en-US" smtClean="0"/>
+              <a:t>Third level</a:t>
+            </a:r>
+          </a:p>
+          <a:p>
+            <a:pPr lvl="3"/>
+            <a:r>
+              <a:rPr lang="en-US" smtClean="0"/>
+              <a:t>Fourth level</a:t>
+            </a:r>
+          </a:p>
+          <a:p>
+            <a:pPr lvl="4"/>
+            <a:r>
+              <a:rPr lang="en-US" smtClean="0"/>
+              <a:t>Fifth level</a:t>
+            </a:r>
+            <a:endParaRPr lang="en-US"/>
+          </a:p>
+        </p:txBody>
+      </p:sp>
+      <p:sp>
+        <p:nvSpPr>
+          <p:cNvPr id="6" name="Footer Placeholder 5"/>
+          <p:cNvSpPr>
+            <a:spLocks noGrp="1"/>
+          </p:cNvSpPr>
+          <p:nvPr>
+            <p:ph type="ftr" sz="quarter" idx="4"/>
+          </p:nvPr>
+        </p:nvSpPr>
+        <p:spPr>
+          <a:xfrm>
+            <a:off x="0" y="8685213"/>
+            <a:ext cx="2971800" cy="458787"/>
+          </a:xfrm>
+          <a:prstGeom prst="rect">
+            <a:avLst/>
+          </a:prstGeom>
+        </p:spPr>
+        <p:txBody>
+          <a:bodyPr vert="horz" lIns="91440" tIns="45720" rIns="91440" bIns="45720" rtlCol="0" anchor="b"/>
+          <a:lstStyle>
+            <a:lvl1pPr algn="l">
+              <a:defRPr sz="1200"/>
+            </a:lvl1pPr>
+          </a:lstStyle>
+          <a:p>
+            <a:endParaRPr lang="en-US"/>
+          </a:p>
+        </p:txBody>
+      </p:sp>
+      <p:sp>
+        <p:nvSpPr>
+          <p:cNvPr id="7" name="Slide Number Placeholder 6"/>
+          <p:cNvSpPr>
+            <a:spLocks noGrp="1"/>
+          </p:cNvSpPr>
+          <p:nvPr>
+            <p:ph type="sldNum" sz="quarter" idx="5"/>
+          </p:nvPr>
+        </p:nvSpPr>
+        <p:spPr>
+          <a:xfrm>
+            <a:off x="3884613" y="8685213"/>
+            <a:ext cx="2971800" cy="458787"/>
+          </a:xfrm>
+          <a:prstGeom prst="rect">
+            <a:avLst/>
+          </a:prstGeom>
+        </p:spPr>
+        <p:txBody>
+          <a:bodyPr vert="horz" lIns="91440" tIns="45720" rIns="91440" bIns="45720" rtlCol="0" anchor="b"/>
+          <a:lstStyle>
+            <a:lvl1pPr algn="r">
+              <a:defRPr sz="1200"/>
+            </a:lvl1pPr>
+          </a:lstStyle>
+          <a:p>
+            <a:fld id="{E2EBB6EC-89F9-499A-8CE6-080AEE1B7E88}" type="slidenum">
+              <a:rPr lang="en-US" smtClean="0"/>
+              <a:t>‹#›</a:t>
+            </a:fld>
+            <a:endParaRPr lang="en-US"/>
+          </a:p>
+        </p:txBody>
+      </p:sp>
+    </p:spTree>
+    <p:extLst>
+      <p:ext uri="{BB962C8B-B14F-4D97-AF65-F5344CB8AC3E}">
+        <p14:creationId xmlns:p14="http://schemas.microsoft.com/office/powerpoint/2010/main" val="1175165426"/>
+      </p:ext>
+    </p:extLst>
+  </p:cSld>
+  <p:clrMap bg1="lt1" tx1="dk1" bg2="lt2" tx2="dk2" accent1="accent1" accent2="accent2" accent3="accent3" accent4="accent4" accent5="accent5" accent6="accent6" hlink="hlink" folHlink="folHlink"/>
+  <p:notesStyle>
+    <a:lvl1pPr marL="0" algn="l" defTabSz="914400" rtl="0" eaLnBrk="1" latinLnBrk="0" hangingPunct="1">
+      <a:defRPr sz="1200" kern="1200">
+        <a:solidFill>
+          <a:schemeClr val="tx1"/>
+        </a:solidFill>
+        <a:latin typeface="+mn-lt"/>
+        <a:ea typeface="+mn-ea"/>
+        <a:cs typeface="+mn-cs"/>
+      </a:defRPr>
+    </a:lvl1pPr>
+    <a:lvl2pPr marL="457200" algn="l" defTabSz="914400" rtl="0" eaLnBrk="1" latinLnBrk="0" hangingPunct="1">
+      <a:defRPr sz="1200" kern="1200">
+        <a:solidFill>
+          <a:schemeClr val="tx1"/>
+        </a:solidFill>
+        <a:latin typeface="+mn-lt"/>
+        <a:ea typeface="+mn-ea"/>
+        <a:cs typeface="+mn-cs"/>
+      </a:defRPr>
+    </a:lvl2pPr>
+    <a:lvl3pPr marL="914400" algn="l" defTabSz="914400" rtl="0" eaLnBrk="1" latinLnBrk="0" hangingPunct="1">
+      <a:defRPr sz="1200" kern="1200">
+        <a:solidFill>
+          <a:schemeClr val="tx1"/>
+        </a:solidFill>
+        <a:latin typeface="+mn-lt"/>
+        <a:ea typeface="+mn-ea"/>
+        <a:cs typeface="+mn-cs"/>
+      </a:defRPr>
+    </a:lvl3pPr>
+    <a:lvl4pPr marL="1371600" algn="l" defTabSz="914400" rtl="0" eaLnBrk="1" latinLnBrk="0" hangingPunct="1">
+      <a:defRPr sz="1200" kern="1200">
+        <a:solidFill>
+          <a:schemeClr val="tx1"/>
+        </a:solidFill>
+        <a:latin typeface="+mn-lt"/>
+        <a:ea typeface="+mn-ea"/>
+        <a:cs typeface="+mn-cs"/>
+      </a:defRPr>
+    </a:lvl4pPr>
+    <a:lvl5pPr marL="1828800" algn="l" defTabSz="914400" rtl="0" eaLnBrk="1" latinLnBrk="0" hangingPunct="1">
+      <a:defRPr sz="1200" kern="1200">
+        <a:solidFill>
+          <a:schemeClr val="tx1"/>
+        </a:solidFill>
+        <a:latin typeface="+mn-lt"/>
+        <a:ea typeface="+mn-ea"/>
+        <a:cs typeface="+mn-cs"/>
+      </a:defRPr>
+    </a:lvl5pPr>
+    <a:lvl6pPr marL="2286000" algn="l" defTabSz="914400" rtl="0" eaLnBrk="1" latinLnBrk="0" hangingPunct="1">
+      <a:defRPr sz="1200" kern="1200">
+        <a:solidFill>
+          <a:schemeClr val="tx1"/>
+        </a:solidFill>
+        <a:latin typeface="+mn-lt"/>
+        <a:ea typeface="+mn-ea"/>
+        <a:cs typeface="+mn-cs"/>
+      </a:defRPr>
+    </a:lvl6pPr>
+    <a:lvl7pPr marL="2743200" algn="l" defTabSz="914400" rtl="0" eaLnBrk="1" latinLnBrk="0" hangingPunct="1">
+      <a:defRPr sz="1200" kern="1200">
+        <a:solidFill>
+          <a:schemeClr val="tx1"/>
+        </a:solidFill>
+        <a:latin typeface="+mn-lt"/>
+        <a:ea typeface="+mn-ea"/>
+        <a:cs typeface="+mn-cs"/>
+      </a:defRPr>
+    </a:lvl7pPr>
+    <a:lvl8pPr marL="3200400" algn="l" defTabSz="914400" rtl="0" eaLnBrk="1" latinLnBrk="0" hangingPunct="1">
+      <a:defRPr sz="1200" kern="1200">
+        <a:solidFill>
+          <a:schemeClr val="tx1"/>
+        </a:solidFill>
+        <a:latin typeface="+mn-lt"/>
+        <a:ea typeface="+mn-ea"/>
+        <a:cs typeface="+mn-cs"/>
+      </a:defRPr>
+    </a:lvl8pPr>
+    <a:lvl9pPr marL="3657600" algn="l" defTabSz="914400" rtl="0" eaLnBrk="1" latinLnBrk="0" hangingPunct="1">
+      <a:defRPr sz="1200" kern="1200">
+        <a:solidFill>
+          <a:schemeClr val="tx1"/>
+        </a:solidFill>
+        <a:latin typeface="+mn-lt"/>
+        <a:ea typeface="+mn-ea"/>
+        <a:cs typeface="+mn-cs"/>
+      </a:defRPr>
+    </a:lvl9pPr>
+  </p:notesStyle>
+</p:notesMaster>
+</file>
+
 <file path=ppt/slideLayouts/slideLayout1.xml><?xml version="1.0" encoding="utf-8"?>
 <p:sldLayout xmlns:a="http://schemas.openxmlformats.org/drawingml/2006/main" xmlns:r="http://schemas.openxmlformats.org/officeDocument/2006/relationships" xmlns:p="http://schemas.openxmlformats.org/presentationml/2006/main" type="title" preserve="1">
   <p:cSld name="Title Slide">
@@ -296,9 +649,9 @@
           <a:bodyPr/>
           <a:lstStyle/>
           <a:p>
-            <a:fld id="{B2F5E2FA-C428-4CE7-95B0-168D3259A5BB}" type="datetimeFigureOut">
-              <a:rPr lang="en-US" smtClean="0"/>
-              <a:t>11/28/2021</a:t>
+            <a:fld id="{EFE1C5A3-DB74-4ACD-84FA-51D8EF50FAE9}" type="datetime1">
+              <a:rPr lang="en-US" smtClean="0"/>
+              <a:t>2/9/2022</a:t>
             </a:fld>
             <a:endParaRPr lang="en-US"/>
           </a:p>
@@ -547,9 +900,9 @@
           <a:bodyPr/>
           <a:lstStyle/>
           <a:p>
-            <a:fld id="{B2F5E2FA-C428-4CE7-95B0-168D3259A5BB}" type="datetimeFigureOut">
-              <a:rPr lang="en-US" smtClean="0"/>
-              <a:t>11/28/2021</a:t>
+            <a:fld id="{04AF7FEE-064B-4562-BB47-45D1BB22CD38}" type="datetime1">
+              <a:rPr lang="en-US" smtClean="0"/>
+              <a:t>2/9/2022</a:t>
             </a:fld>
             <a:endParaRPr lang="en-US"/>
           </a:p>
@@ -727,9 +1080,9 @@
           <a:bodyPr/>
           <a:lstStyle/>
           <a:p>
-            <a:fld id="{B2F5E2FA-C428-4CE7-95B0-168D3259A5BB}" type="datetimeFigureOut">
-              <a:rPr lang="en-US" smtClean="0"/>
-              <a:t>11/28/2021</a:t>
+            <a:fld id="{27ACD08E-127B-43D6-A8BE-5CE7D67D77C9}" type="datetime1">
+              <a:rPr lang="en-US" smtClean="0"/>
+              <a:t>2/9/2022</a:t>
             </a:fld>
             <a:endParaRPr lang="en-US"/>
           </a:p>
@@ -983,9 +1336,9 @@
           <a:bodyPr/>
           <a:lstStyle/>
           <a:p>
-            <a:fld id="{B2F5E2FA-C428-4CE7-95B0-168D3259A5BB}" type="datetimeFigureOut">
-              <a:rPr lang="en-US" smtClean="0"/>
-              <a:t>11/28/2021</a:t>
+            <a:fld id="{1EE2B8A9-8616-481A-9F0B-0A016FF1ED60}" type="datetime1">
+              <a:rPr lang="en-US" smtClean="0"/>
+              <a:t>2/9/2022</a:t>
             </a:fld>
             <a:endParaRPr lang="en-US"/>
           </a:p>
@@ -1328,9 +1681,9 @@
           <a:bodyPr/>
           <a:lstStyle/>
           <a:p>
-            <a:fld id="{B2F5E2FA-C428-4CE7-95B0-168D3259A5BB}" type="datetimeFigureOut">
-              <a:rPr lang="en-US" smtClean="0"/>
-              <a:t>11/28/2021</a:t>
+            <a:fld id="{6A276D3E-90CE-4EC6-A594-6CC88BB199F8}" type="datetime1">
+              <a:rPr lang="en-US" smtClean="0"/>
+              <a:t>2/9/2022</a:t>
             </a:fld>
             <a:endParaRPr lang="en-US"/>
           </a:p>
@@ -1560,9 +1913,9 @@
           <a:bodyPr/>
           <a:lstStyle/>
           <a:p>
-            <a:fld id="{B2F5E2FA-C428-4CE7-95B0-168D3259A5BB}" type="datetimeFigureOut">
-              <a:rPr lang="en-US" smtClean="0"/>
-              <a:t>11/28/2021</a:t>
+            <a:fld id="{45ED70ED-086C-4177-A2D4-9990275E8221}" type="datetime1">
+              <a:rPr lang="en-US" smtClean="0"/>
+              <a:t>2/9/2022</a:t>
             </a:fld>
             <a:endParaRPr lang="en-US"/>
           </a:p>
@@ -1927,9 +2280,9 @@
           <a:bodyPr/>
           <a:lstStyle/>
           <a:p>
-            <a:fld id="{B2F5E2FA-C428-4CE7-95B0-168D3259A5BB}" type="datetimeFigureOut">
-              <a:rPr lang="en-US" smtClean="0"/>
-              <a:t>11/28/2021</a:t>
+            <a:fld id="{3D966E62-2316-40CE-BB97-33C04C206C67}" type="datetime1">
+              <a:rPr lang="en-US" smtClean="0"/>
+              <a:t>2/9/2022</a:t>
             </a:fld>
             <a:endParaRPr lang="en-US"/>
           </a:p>
@@ -2022,9 +2375,9 @@
           <a:bodyPr/>
           <a:lstStyle/>
           <a:p>
-            <a:fld id="{B2F5E2FA-C428-4CE7-95B0-168D3259A5BB}" type="datetimeFigureOut">
-              <a:rPr lang="en-US" smtClean="0"/>
-              <a:t>11/28/2021</a:t>
+            <a:fld id="{9E075E72-348A-428B-9006-7EA69B6B28A1}" type="datetime1">
+              <a:rPr lang="en-US" smtClean="0"/>
+              <a:t>2/9/2022</a:t>
             </a:fld>
             <a:endParaRPr lang="en-US"/>
           </a:p>
@@ -2247,7 +2600,7 @@
             <a:fld id="{B2F5E2FA-C428-4CE7-95B0-168D3259A5BB}" type="datetimeFigureOut">
               <a:rPr lang="en-US" smtClean="0"/>
               <a:pPr/>
-              <a:t>11/28/2021</a:t>
+              <a:t>2/9/2022</a:t>
             </a:fld>
             <a:endParaRPr lang="en-US"/>
           </a:p>
@@ -2416,9 +2769,9 @@
           <a:bodyPr/>
           <a:lstStyle/>
           <a:p>
-            <a:fld id="{B2F5E2FA-C428-4CE7-95B0-168D3259A5BB}" type="datetimeFigureOut">
-              <a:rPr lang="en-US" smtClean="0"/>
-              <a:t>11/28/2021</a:t>
+            <a:fld id="{29D23239-7CB9-4A04-8D5A-03799E9BA489}" type="datetime1">
+              <a:rPr lang="en-US" smtClean="0"/>
+              <a:t>2/9/2022</a:t>
             </a:fld>
             <a:endParaRPr lang="en-US"/>
           </a:p>
@@ -2693,9 +3046,9 @@
           <a:bodyPr/>
           <a:lstStyle/>
           <a:p>
-            <a:fld id="{B2F5E2FA-C428-4CE7-95B0-168D3259A5BB}" type="datetimeFigureOut">
-              <a:rPr lang="en-US" smtClean="0"/>
-              <a:t>11/28/2021</a:t>
+            <a:fld id="{E50F450A-A890-4C38-A643-A1F983F1D1C8}" type="datetime1">
+              <a:rPr lang="en-US" smtClean="0"/>
+              <a:t>2/9/2022</a:t>
             </a:fld>
             <a:endParaRPr lang="en-US"/>
           </a:p>
@@ -2946,9 +3299,9 @@
           <a:bodyPr/>
           <a:lstStyle/>
           <a:p>
-            <a:fld id="{B2F5E2FA-C428-4CE7-95B0-168D3259A5BB}" type="datetimeFigureOut">
-              <a:rPr lang="en-US" smtClean="0"/>
-              <a:t>11/28/2021</a:t>
+            <a:fld id="{FFA09785-832E-4A59-A193-4248D3B71C83}" type="datetime1">
+              <a:rPr lang="en-US" smtClean="0"/>
+              <a:t>2/9/2022</a:t>
             </a:fld>
             <a:endParaRPr lang="en-US"/>
           </a:p>
@@ -3159,9 +3512,9 @@
             </a:lvl1pPr>
           </a:lstStyle>
           <a:p>
-            <a:fld id="{B2F5E2FA-C428-4CE7-95B0-168D3259A5BB}" type="datetimeFigureOut">
-              <a:rPr lang="en-US" smtClean="0"/>
-              <a:t>11/28/2021</a:t>
+            <a:fld id="{D2972026-E2FC-4D07-B2A1-4E525273E422}" type="datetime1">
+              <a:rPr lang="en-US" smtClean="0"/>
+              <a:t>2/9/2022</a:t>
             </a:fld>
             <a:endParaRPr lang="en-US"/>
           </a:p>
@@ -3266,6 +3619,7 @@
     <p:sldLayoutId id="2147483658" r:id="rId10"/>
     <p:sldLayoutId id="2147483659" r:id="rId11"/>
   </p:sldLayoutIdLst>
+  <p:hf hdr="0" ftr="0" dt="0"/>
   <p:txStyles>
     <p:titleStyle>
       <a:lvl1pPr algn="l" defTabSz="914400" rtl="0" eaLnBrk="1" latinLnBrk="0" hangingPunct="1">
@@ -3608,6 +3962,28 @@
               <a:rPr lang="en-US"/>
               <a:t>SE401: Software Quality Assurance and Testing</a:t>
             </a:r>
+          </a:p>
+        </p:txBody>
+      </p:sp>
+      <p:sp>
+        <p:nvSpPr>
+          <p:cNvPr id="4" name="Slide Number Placeholder 3"/>
+          <p:cNvSpPr>
+            <a:spLocks noGrp="1"/>
+          </p:cNvSpPr>
+          <p:nvPr>
+            <p:ph type="sldNum" sz="quarter" idx="12"/>
+          </p:nvPr>
+        </p:nvSpPr>
+        <p:spPr/>
+        <p:txBody>
+          <a:bodyPr/>
+          <a:lstStyle/>
+          <a:p>
+            <a:fld id="{B8DACC02-A2BD-4578-8E03-6D891060A695}" type="slidenum">
+              <a:rPr lang="en-US" smtClean="0"/>
+              <a:t>1</a:t>
+            </a:fld>
             <a:endParaRPr lang="en-US"/>
           </a:p>
         </p:txBody>
@@ -3757,6 +4133,30 @@
           </a:p>
         </p:txBody>
       </p:sp>
+      <p:sp>
+        <p:nvSpPr>
+          <p:cNvPr id="4" name="Slide Number Placeholder 3"/>
+          <p:cNvSpPr>
+            <a:spLocks noGrp="1"/>
+          </p:cNvSpPr>
+          <p:nvPr>
+            <p:ph type="sldNum" sz="quarter" idx="12"/>
+          </p:nvPr>
+        </p:nvSpPr>
+        <p:spPr/>
+        <p:txBody>
+          <a:bodyPr/>
+          <a:lstStyle/>
+          <a:p>
+            <a:fld id="{B8DACC02-A2BD-4578-8E03-6D891060A695}" type="slidenum">
+              <a:rPr lang="en-US" smtClean="0"/>
+              <a:pPr/>
+              <a:t>10</a:t>
+            </a:fld>
+            <a:endParaRPr lang="en-US" dirty="0"/>
+          </a:p>
+        </p:txBody>
+      </p:sp>
     </p:spTree>
     <p:extLst>
       <p:ext uri="{BB962C8B-B14F-4D97-AF65-F5344CB8AC3E}">
@@ -3828,7 +4228,7 @@
           <a:lstStyle/>
           <a:p>
             <a:r>
-              <a:rPr lang="en-US" dirty="0" smtClean="0"/>
+              <a:rPr lang="en-US" b="1" dirty="0" smtClean="0"/>
               <a:t>Coding standards</a:t>
             </a:r>
           </a:p>
@@ -3880,6 +4280,30 @@
               <a:rPr lang="en-US" dirty="0" smtClean="0"/>
               <a:t>Checking tools supports code standards</a:t>
             </a:r>
+            <a:endParaRPr lang="en-US" dirty="0"/>
+          </a:p>
+        </p:txBody>
+      </p:sp>
+      <p:sp>
+        <p:nvSpPr>
+          <p:cNvPr id="4" name="Slide Number Placeholder 3"/>
+          <p:cNvSpPr>
+            <a:spLocks noGrp="1"/>
+          </p:cNvSpPr>
+          <p:nvPr>
+            <p:ph type="sldNum" sz="quarter" idx="12"/>
+          </p:nvPr>
+        </p:nvSpPr>
+        <p:spPr/>
+        <p:txBody>
+          <a:bodyPr/>
+          <a:lstStyle/>
+          <a:p>
+            <a:fld id="{B8DACC02-A2BD-4578-8E03-6D891060A695}" type="slidenum">
+              <a:rPr lang="en-US" smtClean="0"/>
+              <a:pPr/>
+              <a:t>11</a:t>
+            </a:fld>
             <a:endParaRPr lang="en-US" dirty="0"/>
           </a:p>
         </p:txBody>
@@ -4001,6 +4425,30 @@
           </a:p>
         </p:txBody>
       </p:sp>
+      <p:sp>
+        <p:nvSpPr>
+          <p:cNvPr id="4" name="Slide Number Placeholder 3"/>
+          <p:cNvSpPr>
+            <a:spLocks noGrp="1"/>
+          </p:cNvSpPr>
+          <p:nvPr>
+            <p:ph type="sldNum" sz="quarter" idx="12"/>
+          </p:nvPr>
+        </p:nvSpPr>
+        <p:spPr/>
+        <p:txBody>
+          <a:bodyPr/>
+          <a:lstStyle/>
+          <a:p>
+            <a:fld id="{B8DACC02-A2BD-4578-8E03-6D891060A695}" type="slidenum">
+              <a:rPr lang="en-US" smtClean="0"/>
+              <a:pPr/>
+              <a:t>12</a:t>
+            </a:fld>
+            <a:endParaRPr lang="en-US" dirty="0"/>
+          </a:p>
+        </p:txBody>
+      </p:sp>
     </p:spTree>
     <p:extLst>
       <p:ext uri="{BB962C8B-B14F-4D97-AF65-F5344CB8AC3E}">
@@ -4101,6 +4549,30 @@
           </a:prstGeom>
         </p:spPr>
       </p:pic>
+      <p:sp>
+        <p:nvSpPr>
+          <p:cNvPr id="5" name="Slide Number Placeholder 4"/>
+          <p:cNvSpPr>
+            <a:spLocks noGrp="1"/>
+          </p:cNvSpPr>
+          <p:nvPr>
+            <p:ph type="sldNum" sz="quarter" idx="12"/>
+          </p:nvPr>
+        </p:nvSpPr>
+        <p:spPr/>
+        <p:txBody>
+          <a:bodyPr/>
+          <a:lstStyle/>
+          <a:p>
+            <a:fld id="{B8DACC02-A2BD-4578-8E03-6D891060A695}" type="slidenum">
+              <a:rPr lang="en-US" smtClean="0"/>
+              <a:pPr/>
+              <a:t>13</a:t>
+            </a:fld>
+            <a:endParaRPr lang="en-US" dirty="0"/>
+          </a:p>
+        </p:txBody>
+      </p:sp>
     </p:spTree>
     <p:extLst>
       <p:ext uri="{BB962C8B-B14F-4D97-AF65-F5344CB8AC3E}">
@@ -4261,6 +4733,30 @@
           </a:p>
         </p:txBody>
       </p:sp>
+      <p:sp>
+        <p:nvSpPr>
+          <p:cNvPr id="4" name="Slide Number Placeholder 3"/>
+          <p:cNvSpPr>
+            <a:spLocks noGrp="1"/>
+          </p:cNvSpPr>
+          <p:nvPr>
+            <p:ph type="sldNum" sz="quarter" idx="12"/>
+          </p:nvPr>
+        </p:nvSpPr>
+        <p:spPr/>
+        <p:txBody>
+          <a:bodyPr/>
+          <a:lstStyle/>
+          <a:p>
+            <a:fld id="{B8DACC02-A2BD-4578-8E03-6D891060A695}" type="slidenum">
+              <a:rPr lang="en-US" smtClean="0"/>
+              <a:pPr/>
+              <a:t>14</a:t>
+            </a:fld>
+            <a:endParaRPr lang="en-US" dirty="0"/>
+          </a:p>
+        </p:txBody>
+      </p:sp>
     </p:spTree>
     <p:extLst>
       <p:ext uri="{BB962C8B-B14F-4D97-AF65-F5344CB8AC3E}">
@@ -4330,7 +4826,7 @@
           <a:lstStyle/>
           <a:p>
             <a:r>
-              <a:rPr lang="en-US" dirty="0" smtClean="0"/>
+              <a:rPr lang="en-US" b="1" dirty="0" smtClean="0"/>
               <a:t>Practical side</a:t>
             </a:r>
           </a:p>
@@ -4340,6 +4836,30 @@
               <a:rPr lang="en-US" dirty="0" smtClean="0"/>
               <a:t>Static analysis tools may produce a large number of warning messages , which need to be well managed to allow the most effective use of the tool.</a:t>
             </a:r>
+            <a:endParaRPr lang="en-US" dirty="0"/>
+          </a:p>
+        </p:txBody>
+      </p:sp>
+      <p:sp>
+        <p:nvSpPr>
+          <p:cNvPr id="4" name="Slide Number Placeholder 3"/>
+          <p:cNvSpPr>
+            <a:spLocks noGrp="1"/>
+          </p:cNvSpPr>
+          <p:nvPr>
+            <p:ph type="sldNum" sz="quarter" idx="12"/>
+          </p:nvPr>
+        </p:nvSpPr>
+        <p:spPr/>
+        <p:txBody>
+          <a:bodyPr/>
+          <a:lstStyle/>
+          <a:p>
+            <a:fld id="{B8DACC02-A2BD-4578-8E03-6D891060A695}" type="slidenum">
+              <a:rPr lang="en-US" smtClean="0"/>
+              <a:pPr/>
+              <a:t>15</a:t>
+            </a:fld>
             <a:endParaRPr lang="en-US" dirty="0"/>
           </a:p>
         </p:txBody>
@@ -4397,25 +4917,6 @@
           </a:p>
         </p:txBody>
       </p:sp>
-      <p:sp>
-        <p:nvSpPr>
-          <p:cNvPr id="3" name="Content Placeholder 2"/>
-          <p:cNvSpPr>
-            <a:spLocks noGrp="1"/>
-          </p:cNvSpPr>
-          <p:nvPr>
-            <p:ph idx="1"/>
-          </p:nvPr>
-        </p:nvSpPr>
-        <p:spPr/>
-        <p:txBody>
-          <a:bodyPr/>
-          <a:lstStyle/>
-          <a:p>
-            <a:endParaRPr lang="en-US"/>
-          </a:p>
-        </p:txBody>
-      </p:sp>
       <p:pic>
         <p:nvPicPr>
           <p:cNvPr id="4" name="Picture 3"/>
@@ -4432,7 +4933,7 @@
         </p:blipFill>
         <p:spPr>
           <a:xfrm>
-            <a:off x="335834" y="1975290"/>
+            <a:off x="347527" y="1664739"/>
             <a:ext cx="11520332" cy="4336610"/>
           </a:xfrm>
           <a:prstGeom prst="rect">
@@ -4440,6 +4941,30 @@
           </a:prstGeom>
         </p:spPr>
       </p:pic>
+      <p:sp>
+        <p:nvSpPr>
+          <p:cNvPr id="5" name="Slide Number Placeholder 4"/>
+          <p:cNvSpPr>
+            <a:spLocks noGrp="1"/>
+          </p:cNvSpPr>
+          <p:nvPr>
+            <p:ph type="sldNum" sz="quarter" idx="12"/>
+          </p:nvPr>
+        </p:nvSpPr>
+        <p:spPr/>
+        <p:txBody>
+          <a:bodyPr/>
+          <a:lstStyle/>
+          <a:p>
+            <a:fld id="{B8DACC02-A2BD-4578-8E03-6D891060A695}" type="slidenum">
+              <a:rPr lang="en-US" smtClean="0"/>
+              <a:pPr/>
+              <a:t>16</a:t>
+            </a:fld>
+            <a:endParaRPr lang="en-US" dirty="0"/>
+          </a:p>
+        </p:txBody>
+      </p:sp>
     </p:spTree>
     <p:extLst>
       <p:ext uri="{BB962C8B-B14F-4D97-AF65-F5344CB8AC3E}">
@@ -4564,6 +5089,30 @@
           </a:p>
         </p:txBody>
       </p:sp>
+      <p:sp>
+        <p:nvSpPr>
+          <p:cNvPr id="4" name="Slide Number Placeholder 3"/>
+          <p:cNvSpPr>
+            <a:spLocks noGrp="1"/>
+          </p:cNvSpPr>
+          <p:nvPr>
+            <p:ph type="sldNum" sz="quarter" idx="12"/>
+          </p:nvPr>
+        </p:nvSpPr>
+        <p:spPr/>
+        <p:txBody>
+          <a:bodyPr/>
+          <a:lstStyle/>
+          <a:p>
+            <a:fld id="{B8DACC02-A2BD-4578-8E03-6D891060A695}" type="slidenum">
+              <a:rPr lang="en-US" smtClean="0"/>
+              <a:pPr/>
+              <a:t>17</a:t>
+            </a:fld>
+            <a:endParaRPr lang="en-US" dirty="0"/>
+          </a:p>
+        </p:txBody>
+      </p:sp>
     </p:spTree>
     <p:extLst>
       <p:ext uri="{BB962C8B-B14F-4D97-AF65-F5344CB8AC3E}">
@@ -4676,6 +5225,30 @@
           </a:p>
         </p:txBody>
       </p:sp>
+      <p:sp>
+        <p:nvSpPr>
+          <p:cNvPr id="4" name="Slide Number Placeholder 3"/>
+          <p:cNvSpPr>
+            <a:spLocks noGrp="1"/>
+          </p:cNvSpPr>
+          <p:nvPr>
+            <p:ph type="sldNum" sz="quarter" idx="12"/>
+          </p:nvPr>
+        </p:nvSpPr>
+        <p:spPr/>
+        <p:txBody>
+          <a:bodyPr/>
+          <a:lstStyle/>
+          <a:p>
+            <a:fld id="{B8DACC02-A2BD-4578-8E03-6D891060A695}" type="slidenum">
+              <a:rPr lang="en-US" smtClean="0"/>
+              <a:pPr/>
+              <a:t>18</a:t>
+            </a:fld>
+            <a:endParaRPr lang="en-US" dirty="0"/>
+          </a:p>
+        </p:txBody>
+      </p:sp>
     </p:spTree>
     <p:extLst>
       <p:ext uri="{BB962C8B-B14F-4D97-AF65-F5344CB8AC3E}">
@@ -4805,6 +5378,30 @@
           </a:p>
         </p:txBody>
       </p:sp>
+      <p:sp>
+        <p:nvSpPr>
+          <p:cNvPr id="4" name="Slide Number Placeholder 3"/>
+          <p:cNvSpPr>
+            <a:spLocks noGrp="1"/>
+          </p:cNvSpPr>
+          <p:nvPr>
+            <p:ph type="sldNum" sz="quarter" idx="12"/>
+          </p:nvPr>
+        </p:nvSpPr>
+        <p:spPr/>
+        <p:txBody>
+          <a:bodyPr/>
+          <a:lstStyle/>
+          <a:p>
+            <a:fld id="{B8DACC02-A2BD-4578-8E03-6D891060A695}" type="slidenum">
+              <a:rPr lang="en-US" smtClean="0"/>
+              <a:pPr/>
+              <a:t>19</a:t>
+            </a:fld>
+            <a:endParaRPr lang="en-US" dirty="0"/>
+          </a:p>
+        </p:txBody>
+      </p:sp>
     </p:spTree>
     <p:extLst>
       <p:ext uri="{BB962C8B-B14F-4D97-AF65-F5344CB8AC3E}">
@@ -4893,6 +5490,30 @@
           </a:p>
         </p:txBody>
       </p:sp>
+      <p:sp>
+        <p:nvSpPr>
+          <p:cNvPr id="4" name="Slide Number Placeholder 3"/>
+          <p:cNvSpPr>
+            <a:spLocks noGrp="1"/>
+          </p:cNvSpPr>
+          <p:nvPr>
+            <p:ph type="sldNum" sz="quarter" idx="12"/>
+          </p:nvPr>
+        </p:nvSpPr>
+        <p:spPr/>
+        <p:txBody>
+          <a:bodyPr/>
+          <a:lstStyle/>
+          <a:p>
+            <a:fld id="{B8DACC02-A2BD-4578-8E03-6D891060A695}" type="slidenum">
+              <a:rPr lang="en-US" smtClean="0"/>
+              <a:pPr/>
+              <a:t>2</a:t>
+            </a:fld>
+            <a:endParaRPr lang="en-US" dirty="0"/>
+          </a:p>
+        </p:txBody>
+      </p:sp>
     </p:spTree>
     <p:extLst>
       <p:ext uri="{BB962C8B-B14F-4D97-AF65-F5344CB8AC3E}">
@@ -5049,6 +5670,30 @@
           </a:p>
         </p:txBody>
       </p:sp>
+      <p:sp>
+        <p:nvSpPr>
+          <p:cNvPr id="4" name="Slide Number Placeholder 3"/>
+          <p:cNvSpPr>
+            <a:spLocks noGrp="1"/>
+          </p:cNvSpPr>
+          <p:nvPr>
+            <p:ph type="sldNum" sz="quarter" idx="12"/>
+          </p:nvPr>
+        </p:nvSpPr>
+        <p:spPr/>
+        <p:txBody>
+          <a:bodyPr/>
+          <a:lstStyle/>
+          <a:p>
+            <a:fld id="{B8DACC02-A2BD-4578-8E03-6D891060A695}" type="slidenum">
+              <a:rPr lang="en-US" smtClean="0"/>
+              <a:pPr/>
+              <a:t>20</a:t>
+            </a:fld>
+            <a:endParaRPr lang="en-US" dirty="0"/>
+          </a:p>
+        </p:txBody>
+      </p:sp>
     </p:spTree>
     <p:extLst>
       <p:ext uri="{BB962C8B-B14F-4D97-AF65-F5344CB8AC3E}">
@@ -5197,6 +5842,30 @@
           </a:p>
         </p:txBody>
       </p:sp>
+      <p:sp>
+        <p:nvSpPr>
+          <p:cNvPr id="4" name="Slide Number Placeholder 3"/>
+          <p:cNvSpPr>
+            <a:spLocks noGrp="1"/>
+          </p:cNvSpPr>
+          <p:nvPr>
+            <p:ph type="sldNum" sz="quarter" idx="12"/>
+          </p:nvPr>
+        </p:nvSpPr>
+        <p:spPr/>
+        <p:txBody>
+          <a:bodyPr/>
+          <a:lstStyle/>
+          <a:p>
+            <a:fld id="{B8DACC02-A2BD-4578-8E03-6D891060A695}" type="slidenum">
+              <a:rPr lang="en-US" smtClean="0"/>
+              <a:pPr/>
+              <a:t>21</a:t>
+            </a:fld>
+            <a:endParaRPr lang="en-US" dirty="0"/>
+          </a:p>
+        </p:txBody>
+      </p:sp>
     </p:spTree>
     <p:extLst>
       <p:ext uri="{BB962C8B-B14F-4D97-AF65-F5344CB8AC3E}">
@@ -5315,6 +5984,30 @@
           </a:p>
         </p:txBody>
       </p:sp>
+      <p:sp>
+        <p:nvSpPr>
+          <p:cNvPr id="4" name="Slide Number Placeholder 3"/>
+          <p:cNvSpPr>
+            <a:spLocks noGrp="1"/>
+          </p:cNvSpPr>
+          <p:nvPr>
+            <p:ph type="sldNum" sz="quarter" idx="12"/>
+          </p:nvPr>
+        </p:nvSpPr>
+        <p:spPr/>
+        <p:txBody>
+          <a:bodyPr/>
+          <a:lstStyle/>
+          <a:p>
+            <a:fld id="{B8DACC02-A2BD-4578-8E03-6D891060A695}" type="slidenum">
+              <a:rPr lang="en-US" smtClean="0"/>
+              <a:pPr/>
+              <a:t>22</a:t>
+            </a:fld>
+            <a:endParaRPr lang="en-US" dirty="0"/>
+          </a:p>
+        </p:txBody>
+      </p:sp>
     </p:spTree>
     <p:extLst>
       <p:ext uri="{BB962C8B-B14F-4D97-AF65-F5344CB8AC3E}">
@@ -5454,6 +6147,30 @@
           </a:prstGeom>
         </p:spPr>
       </p:pic>
+      <p:sp>
+        <p:nvSpPr>
+          <p:cNvPr id="4" name="Slide Number Placeholder 3"/>
+          <p:cNvSpPr>
+            <a:spLocks noGrp="1"/>
+          </p:cNvSpPr>
+          <p:nvPr>
+            <p:ph type="sldNum" sz="quarter" idx="12"/>
+          </p:nvPr>
+        </p:nvSpPr>
+        <p:spPr/>
+        <p:txBody>
+          <a:bodyPr/>
+          <a:lstStyle/>
+          <a:p>
+            <a:fld id="{B8DACC02-A2BD-4578-8E03-6D891060A695}" type="slidenum">
+              <a:rPr lang="en-US" smtClean="0"/>
+              <a:pPr/>
+              <a:t>23</a:t>
+            </a:fld>
+            <a:endParaRPr lang="en-US" dirty="0"/>
+          </a:p>
+        </p:txBody>
+      </p:sp>
     </p:spTree>
     <p:extLst>
       <p:ext uri="{BB962C8B-B14F-4D97-AF65-F5344CB8AC3E}">
@@ -5591,6 +6308,30 @@
           </a:p>
         </p:txBody>
       </p:sp>
+      <p:sp>
+        <p:nvSpPr>
+          <p:cNvPr id="4" name="Slide Number Placeholder 3"/>
+          <p:cNvSpPr>
+            <a:spLocks noGrp="1"/>
+          </p:cNvSpPr>
+          <p:nvPr>
+            <p:ph type="sldNum" sz="quarter" idx="12"/>
+          </p:nvPr>
+        </p:nvSpPr>
+        <p:spPr/>
+        <p:txBody>
+          <a:bodyPr/>
+          <a:lstStyle/>
+          <a:p>
+            <a:fld id="{B8DACC02-A2BD-4578-8E03-6D891060A695}" type="slidenum">
+              <a:rPr lang="en-US" smtClean="0"/>
+              <a:pPr/>
+              <a:t>24</a:t>
+            </a:fld>
+            <a:endParaRPr lang="en-US" dirty="0"/>
+          </a:p>
+        </p:txBody>
+      </p:sp>
     </p:spTree>
     <p:extLst>
       <p:ext uri="{BB962C8B-B14F-4D97-AF65-F5344CB8AC3E}">
@@ -5716,6 +6457,30 @@
           </a:p>
         </p:txBody>
       </p:sp>
+      <p:sp>
+        <p:nvSpPr>
+          <p:cNvPr id="4" name="Slide Number Placeholder 3"/>
+          <p:cNvSpPr>
+            <a:spLocks noGrp="1"/>
+          </p:cNvSpPr>
+          <p:nvPr>
+            <p:ph type="sldNum" sz="quarter" idx="12"/>
+          </p:nvPr>
+        </p:nvSpPr>
+        <p:spPr/>
+        <p:txBody>
+          <a:bodyPr/>
+          <a:lstStyle/>
+          <a:p>
+            <a:fld id="{B8DACC02-A2BD-4578-8E03-6D891060A695}" type="slidenum">
+              <a:rPr lang="en-US" smtClean="0"/>
+              <a:pPr/>
+              <a:t>25</a:t>
+            </a:fld>
+            <a:endParaRPr lang="en-US" dirty="0"/>
+          </a:p>
+        </p:txBody>
+      </p:sp>
     </p:spTree>
     <p:extLst>
       <p:ext uri="{BB962C8B-B14F-4D97-AF65-F5344CB8AC3E}">
@@ -5880,6 +6645,30 @@
           </a:p>
         </p:txBody>
       </p:sp>
+      <p:sp>
+        <p:nvSpPr>
+          <p:cNvPr id="4" name="Slide Number Placeholder 3"/>
+          <p:cNvSpPr>
+            <a:spLocks noGrp="1"/>
+          </p:cNvSpPr>
+          <p:nvPr>
+            <p:ph type="sldNum" sz="quarter" idx="12"/>
+          </p:nvPr>
+        </p:nvSpPr>
+        <p:spPr/>
+        <p:txBody>
+          <a:bodyPr/>
+          <a:lstStyle/>
+          <a:p>
+            <a:fld id="{B8DACC02-A2BD-4578-8E03-6D891060A695}" type="slidenum">
+              <a:rPr lang="en-US" smtClean="0"/>
+              <a:pPr/>
+              <a:t>26</a:t>
+            </a:fld>
+            <a:endParaRPr lang="en-US" dirty="0"/>
+          </a:p>
+        </p:txBody>
+      </p:sp>
     </p:spTree>
     <p:extLst>
       <p:ext uri="{BB962C8B-B14F-4D97-AF65-F5344CB8AC3E}">
@@ -6014,6 +6803,30 @@
           </a:p>
         </p:txBody>
       </p:sp>
+      <p:sp>
+        <p:nvSpPr>
+          <p:cNvPr id="4" name="Slide Number Placeholder 3"/>
+          <p:cNvSpPr>
+            <a:spLocks noGrp="1"/>
+          </p:cNvSpPr>
+          <p:nvPr>
+            <p:ph type="sldNum" sz="quarter" idx="12"/>
+          </p:nvPr>
+        </p:nvSpPr>
+        <p:spPr/>
+        <p:txBody>
+          <a:bodyPr/>
+          <a:lstStyle/>
+          <a:p>
+            <a:fld id="{B8DACC02-A2BD-4578-8E03-6D891060A695}" type="slidenum">
+              <a:rPr lang="en-US" smtClean="0"/>
+              <a:pPr/>
+              <a:t>27</a:t>
+            </a:fld>
+            <a:endParaRPr lang="en-US" dirty="0"/>
+          </a:p>
+        </p:txBody>
+      </p:sp>
     </p:spTree>
     <p:extLst>
       <p:ext uri="{BB962C8B-B14F-4D97-AF65-F5344CB8AC3E}">
@@ -6156,6 +6969,30 @@
           </a:p>
         </p:txBody>
       </p:sp>
+      <p:sp>
+        <p:nvSpPr>
+          <p:cNvPr id="4" name="Slide Number Placeholder 3"/>
+          <p:cNvSpPr>
+            <a:spLocks noGrp="1"/>
+          </p:cNvSpPr>
+          <p:nvPr>
+            <p:ph type="sldNum" sz="quarter" idx="12"/>
+          </p:nvPr>
+        </p:nvSpPr>
+        <p:spPr/>
+        <p:txBody>
+          <a:bodyPr/>
+          <a:lstStyle/>
+          <a:p>
+            <a:fld id="{B8DACC02-A2BD-4578-8E03-6D891060A695}" type="slidenum">
+              <a:rPr lang="en-US" smtClean="0"/>
+              <a:pPr/>
+              <a:t>28</a:t>
+            </a:fld>
+            <a:endParaRPr lang="en-US" dirty="0"/>
+          </a:p>
+        </p:txBody>
+      </p:sp>
     </p:spTree>
     <p:extLst>
       <p:ext uri="{BB962C8B-B14F-4D97-AF65-F5344CB8AC3E}">
@@ -6279,6 +7116,30 @@
           </a:p>
         </p:txBody>
       </p:sp>
+      <p:sp>
+        <p:nvSpPr>
+          <p:cNvPr id="4" name="Slide Number Placeholder 3"/>
+          <p:cNvSpPr>
+            <a:spLocks noGrp="1"/>
+          </p:cNvSpPr>
+          <p:nvPr>
+            <p:ph type="sldNum" sz="quarter" idx="12"/>
+          </p:nvPr>
+        </p:nvSpPr>
+        <p:spPr/>
+        <p:txBody>
+          <a:bodyPr/>
+          <a:lstStyle/>
+          <a:p>
+            <a:fld id="{B8DACC02-A2BD-4578-8E03-6D891060A695}" type="slidenum">
+              <a:rPr lang="en-US" smtClean="0"/>
+              <a:pPr/>
+              <a:t>29</a:t>
+            </a:fld>
+            <a:endParaRPr lang="en-US" dirty="0"/>
+          </a:p>
+        </p:txBody>
+      </p:sp>
     </p:spTree>
     <p:extLst>
       <p:ext uri="{BB962C8B-B14F-4D97-AF65-F5344CB8AC3E}">
@@ -6563,8 +7424,8 @@
         </p:nvSpPr>
         <p:spPr>
           <a:xfrm>
-            <a:off x="838200" y="4256288"/>
-            <a:ext cx="4538472" cy="1762406"/>
+            <a:off x="560717" y="4256288"/>
+            <a:ext cx="5348377" cy="1560684"/>
           </a:xfrm>
           <a:prstGeom prst="rect">
             <a:avLst/>
@@ -6591,32 +7452,25 @@
               </a:tabLst>
             </a:pPr>
             <a:r>
-              <a:rPr lang="en-US" sz="2800" spc="-5" dirty="0" smtClean="0">
+              <a:rPr lang="en-US" sz="2500" spc="-5" dirty="0" smtClean="0">
                 <a:latin typeface="Candara" panose="020E0502030303020204" pitchFamily="34" charset="0"/>
                 <a:cs typeface="Carlito"/>
               </a:rPr>
-              <a:t>Examination of code</a:t>
-            </a:r>
-          </a:p>
-          <a:p>
-            <a:pPr marR="5080">
-              <a:lnSpc>
-                <a:spcPct val="101800"/>
-              </a:lnSpc>
-              <a:spcBef>
-                <a:spcPts val="35"/>
-              </a:spcBef>
-              <a:tabLst>
-                <a:tab pos="354965" algn="l"/>
-                <a:tab pos="355600" algn="l"/>
-              </a:tabLst>
-            </a:pPr>
-            <a:r>
-              <a:rPr lang="en-US" sz="2800" spc="-5" dirty="0" smtClean="0">
+              <a:t>Examination of </a:t>
+            </a:r>
+            <a:r>
+              <a:rPr lang="en-US" sz="2500" spc="-5" dirty="0" smtClean="0">
                 <a:latin typeface="Candara" panose="020E0502030303020204" pitchFamily="34" charset="0"/>
                 <a:cs typeface="Carlito"/>
               </a:rPr>
-              <a:t>without executing it</a:t>
+              <a:t>code without </a:t>
+            </a:r>
+            <a:r>
+              <a:rPr lang="en-US" sz="2500" spc="-5" dirty="0" smtClean="0">
+                <a:latin typeface="Candara" panose="020E0502030303020204" pitchFamily="34" charset="0"/>
+                <a:cs typeface="Carlito"/>
+              </a:rPr>
+              <a:t>executing it</a:t>
             </a:r>
           </a:p>
           <a:p>
@@ -6635,32 +7489,25 @@
               </a:tabLst>
             </a:pPr>
             <a:r>
-              <a:rPr lang="en-US" sz="2800" spc="-5" dirty="0" smtClean="0">
+              <a:rPr lang="en-US" sz="2500" spc="-5" dirty="0" smtClean="0">
                 <a:latin typeface="Candara" panose="020E0502030303020204" pitchFamily="34" charset="0"/>
                 <a:cs typeface="Carlito"/>
               </a:rPr>
-              <a:t>Can be applied to other</a:t>
-            </a:r>
-          </a:p>
-          <a:p>
-            <a:pPr marR="5080">
-              <a:lnSpc>
-                <a:spcPct val="101800"/>
-              </a:lnSpc>
-              <a:spcBef>
-                <a:spcPts val="35"/>
-              </a:spcBef>
-              <a:tabLst>
-                <a:tab pos="354965" algn="l"/>
-                <a:tab pos="355600" algn="l"/>
-              </a:tabLst>
-            </a:pPr>
-            <a:r>
-              <a:rPr lang="en-US" sz="2800" spc="-5" dirty="0" smtClean="0">
+              <a:t>Can be applied to </a:t>
+            </a:r>
+            <a:r>
+              <a:rPr lang="en-US" sz="2500" spc="-5" dirty="0" smtClean="0">
                 <a:latin typeface="Candara" panose="020E0502030303020204" pitchFamily="34" charset="0"/>
                 <a:cs typeface="Carlito"/>
               </a:rPr>
-              <a:t>work products</a:t>
+              <a:t>other work </a:t>
+            </a:r>
+            <a:r>
+              <a:rPr lang="en-US" sz="2500" spc="-5" dirty="0" smtClean="0">
+                <a:latin typeface="Candara" panose="020E0502030303020204" pitchFamily="34" charset="0"/>
+                <a:cs typeface="Carlito"/>
+              </a:rPr>
+              <a:t>products</a:t>
             </a:r>
             <a:endParaRPr sz="2500" dirty="0">
               <a:latin typeface="Candara" panose="020E0502030303020204" pitchFamily="34" charset="0"/>
@@ -6711,6 +7558,30 @@
               <a:latin typeface="Candara" panose="020E0502030303020204" pitchFamily="34" charset="0"/>
               <a:cs typeface="Arial"/>
             </a:endParaRPr>
+          </a:p>
+        </p:txBody>
+      </p:sp>
+      <p:sp>
+        <p:nvSpPr>
+          <p:cNvPr id="4" name="Slide Number Placeholder 3"/>
+          <p:cNvSpPr>
+            <a:spLocks noGrp="1"/>
+          </p:cNvSpPr>
+          <p:nvPr>
+            <p:ph type="sldNum" sz="quarter" idx="12"/>
+          </p:nvPr>
+        </p:nvSpPr>
+        <p:spPr/>
+        <p:txBody>
+          <a:bodyPr/>
+          <a:lstStyle/>
+          <a:p>
+            <a:fld id="{B8DACC02-A2BD-4578-8E03-6D891060A695}" type="slidenum">
+              <a:rPr lang="en-US" smtClean="0"/>
+              <a:pPr/>
+              <a:t>3</a:t>
+            </a:fld>
+            <a:endParaRPr lang="en-US" dirty="0"/>
           </a:p>
         </p:txBody>
       </p:sp>
@@ -6851,6 +7722,30 @@
           </a:p>
         </p:txBody>
       </p:sp>
+      <p:sp>
+        <p:nvSpPr>
+          <p:cNvPr id="4" name="Slide Number Placeholder 3"/>
+          <p:cNvSpPr>
+            <a:spLocks noGrp="1"/>
+          </p:cNvSpPr>
+          <p:nvPr>
+            <p:ph type="sldNum" sz="quarter" idx="12"/>
+          </p:nvPr>
+        </p:nvSpPr>
+        <p:spPr/>
+        <p:txBody>
+          <a:bodyPr/>
+          <a:lstStyle/>
+          <a:p>
+            <a:fld id="{B8DACC02-A2BD-4578-8E03-6D891060A695}" type="slidenum">
+              <a:rPr lang="en-US" smtClean="0"/>
+              <a:pPr/>
+              <a:t>30</a:t>
+            </a:fld>
+            <a:endParaRPr lang="en-US" dirty="0"/>
+          </a:p>
+        </p:txBody>
+      </p:sp>
     </p:spTree>
     <p:extLst>
       <p:ext uri="{BB962C8B-B14F-4D97-AF65-F5344CB8AC3E}">
@@ -7019,6 +7914,30 @@
           </a:p>
         </p:txBody>
       </p:sp>
+      <p:sp>
+        <p:nvSpPr>
+          <p:cNvPr id="4" name="Slide Number Placeholder 3"/>
+          <p:cNvSpPr>
+            <a:spLocks noGrp="1"/>
+          </p:cNvSpPr>
+          <p:nvPr>
+            <p:ph type="sldNum" sz="quarter" idx="12"/>
+          </p:nvPr>
+        </p:nvSpPr>
+        <p:spPr/>
+        <p:txBody>
+          <a:bodyPr/>
+          <a:lstStyle/>
+          <a:p>
+            <a:fld id="{B8DACC02-A2BD-4578-8E03-6D891060A695}" type="slidenum">
+              <a:rPr lang="en-US" smtClean="0"/>
+              <a:pPr/>
+              <a:t>31</a:t>
+            </a:fld>
+            <a:endParaRPr lang="en-US" dirty="0"/>
+          </a:p>
+        </p:txBody>
+      </p:sp>
     </p:spTree>
     <p:extLst>
       <p:ext uri="{BB962C8B-B14F-4D97-AF65-F5344CB8AC3E}">
@@ -7092,14 +8011,20 @@
             </a:r>
             <a:r>
               <a:rPr lang="en-US" i="1" dirty="0"/>
-              <a:t>more roles!</a:t>
-            </a:r>
-            <a:endParaRPr lang="en-US" dirty="0"/>
-          </a:p>
-          <a:p>
+              <a:t>more roles</a:t>
+            </a:r>
+            <a:r>
+              <a:rPr lang="en-US" i="1" dirty="0" smtClean="0"/>
+              <a:t>!</a:t>
+            </a:r>
             <a:endParaRPr lang="en-US" dirty="0" smtClean="0"/>
           </a:p>
           <a:p>
+            <a:pPr lvl="1">
+              <a:lnSpc>
+                <a:spcPct val="150000"/>
+              </a:lnSpc>
+            </a:pPr>
             <a:r>
               <a:rPr lang="en-US" dirty="0" smtClean="0"/>
               <a:t>The </a:t>
@@ -7110,6 +8035,11 @@
             </a:r>
           </a:p>
           <a:p>
+            <a:pPr lvl="1">
+              <a:lnSpc>
+                <a:spcPct val="150000"/>
+              </a:lnSpc>
+            </a:pPr>
             <a:r>
               <a:rPr lang="en-US" dirty="0" smtClean="0"/>
               <a:t>Management</a:t>
@@ -7117,6 +8047,11 @@
             <a:endParaRPr lang="en-US" dirty="0"/>
           </a:p>
           <a:p>
+            <a:pPr lvl="1">
+              <a:lnSpc>
+                <a:spcPct val="150000"/>
+              </a:lnSpc>
+            </a:pPr>
             <a:r>
               <a:rPr lang="en-US" dirty="0" smtClean="0"/>
               <a:t>The </a:t>
@@ -7127,6 +8062,11 @@
             </a:r>
           </a:p>
           <a:p>
+            <a:pPr lvl="1">
+              <a:lnSpc>
+                <a:spcPct val="150000"/>
+              </a:lnSpc>
+            </a:pPr>
             <a:r>
               <a:rPr lang="en-US" dirty="0" smtClean="0"/>
               <a:t>The </a:t>
@@ -7137,6 +8077,11 @@
             </a:r>
           </a:p>
           <a:p>
+            <a:pPr lvl="1">
+              <a:lnSpc>
+                <a:spcPct val="150000"/>
+              </a:lnSpc>
+            </a:pPr>
             <a:r>
               <a:rPr lang="en-US" dirty="0" smtClean="0"/>
               <a:t>The </a:t>
@@ -7147,6 +8092,11 @@
             </a:r>
           </a:p>
           <a:p>
+            <a:pPr lvl="1">
+              <a:lnSpc>
+                <a:spcPct val="150000"/>
+              </a:lnSpc>
+            </a:pPr>
             <a:r>
               <a:rPr lang="en-US" dirty="0" smtClean="0"/>
               <a:t>The </a:t>
@@ -7157,6 +8107,30 @@
             </a:r>
           </a:p>
           <a:p>
+            <a:endParaRPr lang="en-US" dirty="0"/>
+          </a:p>
+        </p:txBody>
+      </p:sp>
+      <p:sp>
+        <p:nvSpPr>
+          <p:cNvPr id="4" name="Slide Number Placeholder 3"/>
+          <p:cNvSpPr>
+            <a:spLocks noGrp="1"/>
+          </p:cNvSpPr>
+          <p:nvPr>
+            <p:ph type="sldNum" sz="quarter" idx="12"/>
+          </p:nvPr>
+        </p:nvSpPr>
+        <p:spPr/>
+        <p:txBody>
+          <a:bodyPr/>
+          <a:lstStyle/>
+          <a:p>
+            <a:fld id="{B8DACC02-A2BD-4578-8E03-6D891060A695}" type="slidenum">
+              <a:rPr lang="en-US" smtClean="0"/>
+              <a:pPr/>
+              <a:t>32</a:t>
+            </a:fld>
             <a:endParaRPr lang="en-US" dirty="0"/>
           </a:p>
         </p:txBody>
@@ -7251,6 +8225,30 @@
           </a:p>
         </p:txBody>
       </p:sp>
+      <p:sp>
+        <p:nvSpPr>
+          <p:cNvPr id="4" name="Slide Number Placeholder 3"/>
+          <p:cNvSpPr>
+            <a:spLocks noGrp="1"/>
+          </p:cNvSpPr>
+          <p:nvPr>
+            <p:ph type="sldNum" sz="quarter" idx="12"/>
+          </p:nvPr>
+        </p:nvSpPr>
+        <p:spPr/>
+        <p:txBody>
+          <a:bodyPr/>
+          <a:lstStyle/>
+          <a:p>
+            <a:fld id="{B8DACC02-A2BD-4578-8E03-6D891060A695}" type="slidenum">
+              <a:rPr lang="en-US" smtClean="0"/>
+              <a:pPr/>
+              <a:t>33</a:t>
+            </a:fld>
+            <a:endParaRPr lang="en-US" dirty="0"/>
+          </a:p>
+        </p:txBody>
+      </p:sp>
     </p:spTree>
     <p:extLst>
       <p:ext uri="{BB962C8B-B14F-4D97-AF65-F5344CB8AC3E}">
@@ -7345,6 +8343,30 @@
           </a:p>
         </p:txBody>
       </p:sp>
+      <p:sp>
+        <p:nvSpPr>
+          <p:cNvPr id="4" name="Slide Number Placeholder 3"/>
+          <p:cNvSpPr>
+            <a:spLocks noGrp="1"/>
+          </p:cNvSpPr>
+          <p:nvPr>
+            <p:ph type="sldNum" sz="quarter" idx="12"/>
+          </p:nvPr>
+        </p:nvSpPr>
+        <p:spPr/>
+        <p:txBody>
+          <a:bodyPr/>
+          <a:lstStyle/>
+          <a:p>
+            <a:fld id="{B8DACC02-A2BD-4578-8E03-6D891060A695}" type="slidenum">
+              <a:rPr lang="en-US" smtClean="0"/>
+              <a:pPr/>
+              <a:t>34</a:t>
+            </a:fld>
+            <a:endParaRPr lang="en-US" dirty="0"/>
+          </a:p>
+        </p:txBody>
+      </p:sp>
     </p:spTree>
     <p:extLst>
       <p:ext uri="{BB962C8B-B14F-4D97-AF65-F5344CB8AC3E}">
@@ -7451,6 +8473,30 @@
           </a:p>
         </p:txBody>
       </p:sp>
+      <p:sp>
+        <p:nvSpPr>
+          <p:cNvPr id="4" name="Slide Number Placeholder 3"/>
+          <p:cNvSpPr>
+            <a:spLocks noGrp="1"/>
+          </p:cNvSpPr>
+          <p:nvPr>
+            <p:ph type="sldNum" sz="quarter" idx="12"/>
+          </p:nvPr>
+        </p:nvSpPr>
+        <p:spPr/>
+        <p:txBody>
+          <a:bodyPr/>
+          <a:lstStyle/>
+          <a:p>
+            <a:fld id="{B8DACC02-A2BD-4578-8E03-6D891060A695}" type="slidenum">
+              <a:rPr lang="en-US" smtClean="0"/>
+              <a:pPr/>
+              <a:t>35</a:t>
+            </a:fld>
+            <a:endParaRPr lang="en-US" dirty="0"/>
+          </a:p>
+        </p:txBody>
+      </p:sp>
     </p:spTree>
     <p:extLst>
       <p:ext uri="{BB962C8B-B14F-4D97-AF65-F5344CB8AC3E}">
@@ -7587,6 +8633,30 @@
           </a:p>
         </p:txBody>
       </p:sp>
+      <p:sp>
+        <p:nvSpPr>
+          <p:cNvPr id="4" name="Slide Number Placeholder 3"/>
+          <p:cNvSpPr>
+            <a:spLocks noGrp="1"/>
+          </p:cNvSpPr>
+          <p:nvPr>
+            <p:ph type="sldNum" sz="quarter" idx="12"/>
+          </p:nvPr>
+        </p:nvSpPr>
+        <p:spPr/>
+        <p:txBody>
+          <a:bodyPr/>
+          <a:lstStyle/>
+          <a:p>
+            <a:fld id="{B8DACC02-A2BD-4578-8E03-6D891060A695}" type="slidenum">
+              <a:rPr lang="en-US" smtClean="0"/>
+              <a:pPr/>
+              <a:t>36</a:t>
+            </a:fld>
+            <a:endParaRPr lang="en-US" dirty="0"/>
+          </a:p>
+        </p:txBody>
+      </p:sp>
     </p:spTree>
     <p:extLst>
       <p:ext uri="{BB962C8B-B14F-4D97-AF65-F5344CB8AC3E}">
@@ -7702,6 +8772,30 @@
           </a:p>
         </p:txBody>
       </p:sp>
+      <p:sp>
+        <p:nvSpPr>
+          <p:cNvPr id="4" name="Slide Number Placeholder 3"/>
+          <p:cNvSpPr>
+            <a:spLocks noGrp="1"/>
+          </p:cNvSpPr>
+          <p:nvPr>
+            <p:ph type="sldNum" sz="quarter" idx="12"/>
+          </p:nvPr>
+        </p:nvSpPr>
+        <p:spPr/>
+        <p:txBody>
+          <a:bodyPr/>
+          <a:lstStyle/>
+          <a:p>
+            <a:fld id="{B8DACC02-A2BD-4578-8E03-6D891060A695}" type="slidenum">
+              <a:rPr lang="en-US" smtClean="0"/>
+              <a:pPr/>
+              <a:t>37</a:t>
+            </a:fld>
+            <a:endParaRPr lang="en-US" dirty="0"/>
+          </a:p>
+        </p:txBody>
+      </p:sp>
     </p:spTree>
     <p:extLst>
       <p:ext uri="{BB962C8B-B14F-4D97-AF65-F5344CB8AC3E}">
@@ -7784,6 +8878,30 @@
           </a:p>
         </p:txBody>
       </p:sp>
+      <p:sp>
+        <p:nvSpPr>
+          <p:cNvPr id="4" name="Slide Number Placeholder 3"/>
+          <p:cNvSpPr>
+            <a:spLocks noGrp="1"/>
+          </p:cNvSpPr>
+          <p:nvPr>
+            <p:ph type="sldNum" sz="quarter" idx="12"/>
+          </p:nvPr>
+        </p:nvSpPr>
+        <p:spPr/>
+        <p:txBody>
+          <a:bodyPr/>
+          <a:lstStyle/>
+          <a:p>
+            <a:fld id="{B8DACC02-A2BD-4578-8E03-6D891060A695}" type="slidenum">
+              <a:rPr lang="en-US" smtClean="0"/>
+              <a:pPr/>
+              <a:t>38</a:t>
+            </a:fld>
+            <a:endParaRPr lang="en-US" dirty="0"/>
+          </a:p>
+        </p:txBody>
+      </p:sp>
     </p:spTree>
     <p:extLst>
       <p:ext uri="{BB962C8B-B14F-4D97-AF65-F5344CB8AC3E}">
@@ -7916,7 +9034,7 @@
         </p:blipFill>
         <p:spPr>
           <a:xfrm>
-            <a:off x="1185177" y="4151997"/>
+            <a:off x="1167925" y="3771389"/>
             <a:ext cx="9821646" cy="2381582"/>
           </a:xfrm>
           <a:prstGeom prst="rect">
@@ -7924,6 +9042,30 @@
           </a:prstGeom>
         </p:spPr>
       </p:pic>
+      <p:sp>
+        <p:nvSpPr>
+          <p:cNvPr id="5" name="Slide Number Placeholder 4"/>
+          <p:cNvSpPr>
+            <a:spLocks noGrp="1"/>
+          </p:cNvSpPr>
+          <p:nvPr>
+            <p:ph type="sldNum" sz="quarter" idx="12"/>
+          </p:nvPr>
+        </p:nvSpPr>
+        <p:spPr/>
+        <p:txBody>
+          <a:bodyPr/>
+          <a:lstStyle/>
+          <a:p>
+            <a:fld id="{B8DACC02-A2BD-4578-8E03-6D891060A695}" type="slidenum">
+              <a:rPr lang="en-US" smtClean="0"/>
+              <a:pPr/>
+              <a:t>39</a:t>
+            </a:fld>
+            <a:endParaRPr lang="en-US" dirty="0"/>
+          </a:p>
+        </p:txBody>
+      </p:sp>
     </p:spTree>
     <p:extLst>
       <p:ext uri="{BB962C8B-B14F-4D97-AF65-F5344CB8AC3E}">
@@ -8049,6 +9191,30 @@
           </a:p>
         </p:txBody>
       </p:sp>
+      <p:sp>
+        <p:nvSpPr>
+          <p:cNvPr id="4" name="Slide Number Placeholder 3"/>
+          <p:cNvSpPr>
+            <a:spLocks noGrp="1"/>
+          </p:cNvSpPr>
+          <p:nvPr>
+            <p:ph type="sldNum" sz="quarter" idx="12"/>
+          </p:nvPr>
+        </p:nvSpPr>
+        <p:spPr/>
+        <p:txBody>
+          <a:bodyPr/>
+          <a:lstStyle/>
+          <a:p>
+            <a:fld id="{B8DACC02-A2BD-4578-8E03-6D891060A695}" type="slidenum">
+              <a:rPr lang="en-US" smtClean="0"/>
+              <a:pPr/>
+              <a:t>4</a:t>
+            </a:fld>
+            <a:endParaRPr lang="en-US" dirty="0"/>
+          </a:p>
+        </p:txBody>
+      </p:sp>
     </p:spTree>
     <p:extLst>
       <p:ext uri="{BB962C8B-B14F-4D97-AF65-F5344CB8AC3E}">
@@ -8171,6 +9337,30 @@
           </a:p>
         </p:txBody>
       </p:sp>
+      <p:sp>
+        <p:nvSpPr>
+          <p:cNvPr id="4" name="Slide Number Placeholder 3"/>
+          <p:cNvSpPr>
+            <a:spLocks noGrp="1"/>
+          </p:cNvSpPr>
+          <p:nvPr>
+            <p:ph type="sldNum" sz="quarter" idx="12"/>
+          </p:nvPr>
+        </p:nvSpPr>
+        <p:spPr/>
+        <p:txBody>
+          <a:bodyPr/>
+          <a:lstStyle/>
+          <a:p>
+            <a:fld id="{B8DACC02-A2BD-4578-8E03-6D891060A695}" type="slidenum">
+              <a:rPr lang="en-US" smtClean="0"/>
+              <a:pPr/>
+              <a:t>40</a:t>
+            </a:fld>
+            <a:endParaRPr lang="en-US" dirty="0"/>
+          </a:p>
+        </p:txBody>
+      </p:sp>
     </p:spTree>
     <p:extLst>
       <p:ext uri="{BB962C8B-B14F-4D97-AF65-F5344CB8AC3E}">
@@ -8329,6 +9519,30 @@
           </a:p>
         </p:txBody>
       </p:sp>
+      <p:sp>
+        <p:nvSpPr>
+          <p:cNvPr id="4" name="Slide Number Placeholder 3"/>
+          <p:cNvSpPr>
+            <a:spLocks noGrp="1"/>
+          </p:cNvSpPr>
+          <p:nvPr>
+            <p:ph type="sldNum" sz="quarter" idx="12"/>
+          </p:nvPr>
+        </p:nvSpPr>
+        <p:spPr/>
+        <p:txBody>
+          <a:bodyPr/>
+          <a:lstStyle/>
+          <a:p>
+            <a:fld id="{B8DACC02-A2BD-4578-8E03-6D891060A695}" type="slidenum">
+              <a:rPr lang="en-US" smtClean="0"/>
+              <a:pPr/>
+              <a:t>41</a:t>
+            </a:fld>
+            <a:endParaRPr lang="en-US" dirty="0"/>
+          </a:p>
+        </p:txBody>
+      </p:sp>
     </p:spTree>
     <p:extLst>
       <p:ext uri="{BB962C8B-B14F-4D97-AF65-F5344CB8AC3E}">
@@ -8486,6 +9700,30 @@
           </a:p>
         </p:txBody>
       </p:sp>
+      <p:sp>
+        <p:nvSpPr>
+          <p:cNvPr id="4" name="Slide Number Placeholder 3"/>
+          <p:cNvSpPr>
+            <a:spLocks noGrp="1"/>
+          </p:cNvSpPr>
+          <p:nvPr>
+            <p:ph type="sldNum" sz="quarter" idx="12"/>
+          </p:nvPr>
+        </p:nvSpPr>
+        <p:spPr/>
+        <p:txBody>
+          <a:bodyPr/>
+          <a:lstStyle/>
+          <a:p>
+            <a:fld id="{B8DACC02-A2BD-4578-8E03-6D891060A695}" type="slidenum">
+              <a:rPr lang="en-US" smtClean="0"/>
+              <a:pPr/>
+              <a:t>42</a:t>
+            </a:fld>
+            <a:endParaRPr lang="en-US" dirty="0"/>
+          </a:p>
+        </p:txBody>
+      </p:sp>
     </p:spTree>
     <p:extLst>
       <p:ext uri="{BB962C8B-B14F-4D97-AF65-F5344CB8AC3E}">
@@ -8605,6 +9843,30 @@
           </a:p>
         </p:txBody>
       </p:sp>
+      <p:sp>
+        <p:nvSpPr>
+          <p:cNvPr id="4" name="Slide Number Placeholder 3"/>
+          <p:cNvSpPr>
+            <a:spLocks noGrp="1"/>
+          </p:cNvSpPr>
+          <p:nvPr>
+            <p:ph type="sldNum" sz="quarter" idx="12"/>
+          </p:nvPr>
+        </p:nvSpPr>
+        <p:spPr/>
+        <p:txBody>
+          <a:bodyPr/>
+          <a:lstStyle/>
+          <a:p>
+            <a:fld id="{B8DACC02-A2BD-4578-8E03-6D891060A695}" type="slidenum">
+              <a:rPr lang="en-US" smtClean="0"/>
+              <a:pPr/>
+              <a:t>43</a:t>
+            </a:fld>
+            <a:endParaRPr lang="en-US" dirty="0"/>
+          </a:p>
+        </p:txBody>
+      </p:sp>
     </p:spTree>
     <p:extLst>
       <p:ext uri="{BB962C8B-B14F-4D97-AF65-F5344CB8AC3E}">
@@ -8791,6 +10053,30 @@
           </a:p>
         </p:txBody>
       </p:sp>
+      <p:sp>
+        <p:nvSpPr>
+          <p:cNvPr id="4" name="Slide Number Placeholder 3"/>
+          <p:cNvSpPr>
+            <a:spLocks noGrp="1"/>
+          </p:cNvSpPr>
+          <p:nvPr>
+            <p:ph type="sldNum" sz="quarter" idx="12"/>
+          </p:nvPr>
+        </p:nvSpPr>
+        <p:spPr/>
+        <p:txBody>
+          <a:bodyPr/>
+          <a:lstStyle/>
+          <a:p>
+            <a:fld id="{B8DACC02-A2BD-4578-8E03-6D891060A695}" type="slidenum">
+              <a:rPr lang="en-US" smtClean="0"/>
+              <a:pPr/>
+              <a:t>44</a:t>
+            </a:fld>
+            <a:endParaRPr lang="en-US" dirty="0"/>
+          </a:p>
+        </p:txBody>
+      </p:sp>
     </p:spTree>
     <p:extLst>
       <p:ext uri="{BB962C8B-B14F-4D97-AF65-F5344CB8AC3E}">
@@ -8904,6 +10190,30 @@
           </a:p>
         </p:txBody>
       </p:sp>
+      <p:sp>
+        <p:nvSpPr>
+          <p:cNvPr id="4" name="Slide Number Placeholder 3"/>
+          <p:cNvSpPr>
+            <a:spLocks noGrp="1"/>
+          </p:cNvSpPr>
+          <p:nvPr>
+            <p:ph type="sldNum" sz="quarter" idx="12"/>
+          </p:nvPr>
+        </p:nvSpPr>
+        <p:spPr/>
+        <p:txBody>
+          <a:bodyPr/>
+          <a:lstStyle/>
+          <a:p>
+            <a:fld id="{B8DACC02-A2BD-4578-8E03-6D891060A695}" type="slidenum">
+              <a:rPr lang="en-US" smtClean="0"/>
+              <a:pPr/>
+              <a:t>45</a:t>
+            </a:fld>
+            <a:endParaRPr lang="en-US" dirty="0"/>
+          </a:p>
+        </p:txBody>
+      </p:sp>
     </p:spTree>
     <p:extLst>
       <p:ext uri="{BB962C8B-B14F-4D97-AF65-F5344CB8AC3E}">
@@ -9058,6 +10368,30 @@
           </a:p>
         </p:txBody>
       </p:sp>
+      <p:sp>
+        <p:nvSpPr>
+          <p:cNvPr id="4" name="Slide Number Placeholder 3"/>
+          <p:cNvSpPr>
+            <a:spLocks noGrp="1"/>
+          </p:cNvSpPr>
+          <p:nvPr>
+            <p:ph type="sldNum" sz="quarter" idx="12"/>
+          </p:nvPr>
+        </p:nvSpPr>
+        <p:spPr/>
+        <p:txBody>
+          <a:bodyPr/>
+          <a:lstStyle/>
+          <a:p>
+            <a:fld id="{B8DACC02-A2BD-4578-8E03-6D891060A695}" type="slidenum">
+              <a:rPr lang="en-US" smtClean="0"/>
+              <a:pPr/>
+              <a:t>46</a:t>
+            </a:fld>
+            <a:endParaRPr lang="en-US" dirty="0"/>
+          </a:p>
+        </p:txBody>
+      </p:sp>
     </p:spTree>
     <p:extLst>
       <p:ext uri="{BB962C8B-B14F-4D97-AF65-F5344CB8AC3E}">
@@ -9204,6 +10538,30 @@
           </a:p>
         </p:txBody>
       </p:sp>
+      <p:sp>
+        <p:nvSpPr>
+          <p:cNvPr id="4" name="Slide Number Placeholder 3"/>
+          <p:cNvSpPr>
+            <a:spLocks noGrp="1"/>
+          </p:cNvSpPr>
+          <p:nvPr>
+            <p:ph type="sldNum" sz="quarter" idx="12"/>
+          </p:nvPr>
+        </p:nvSpPr>
+        <p:spPr/>
+        <p:txBody>
+          <a:bodyPr/>
+          <a:lstStyle/>
+          <a:p>
+            <a:fld id="{B8DACC02-A2BD-4578-8E03-6D891060A695}" type="slidenum">
+              <a:rPr lang="en-US" smtClean="0"/>
+              <a:pPr/>
+              <a:t>47</a:t>
+            </a:fld>
+            <a:endParaRPr lang="en-US" dirty="0"/>
+          </a:p>
+        </p:txBody>
+      </p:sp>
     </p:spTree>
     <p:extLst>
       <p:ext uri="{BB962C8B-B14F-4D97-AF65-F5344CB8AC3E}">
@@ -9350,6 +10708,30 @@
           </a:p>
         </p:txBody>
       </p:sp>
+      <p:sp>
+        <p:nvSpPr>
+          <p:cNvPr id="4" name="Slide Number Placeholder 3"/>
+          <p:cNvSpPr>
+            <a:spLocks noGrp="1"/>
+          </p:cNvSpPr>
+          <p:nvPr>
+            <p:ph type="sldNum" sz="quarter" idx="12"/>
+          </p:nvPr>
+        </p:nvSpPr>
+        <p:spPr/>
+        <p:txBody>
+          <a:bodyPr/>
+          <a:lstStyle/>
+          <a:p>
+            <a:fld id="{B8DACC02-A2BD-4578-8E03-6D891060A695}" type="slidenum">
+              <a:rPr lang="en-US" smtClean="0"/>
+              <a:pPr/>
+              <a:t>48</a:t>
+            </a:fld>
+            <a:endParaRPr lang="en-US" dirty="0"/>
+          </a:p>
+        </p:txBody>
+      </p:sp>
     </p:spTree>
     <p:extLst>
       <p:ext uri="{BB962C8B-B14F-4D97-AF65-F5344CB8AC3E}">
@@ -9502,6 +10884,30 @@
           </a:p>
         </p:txBody>
       </p:sp>
+      <p:sp>
+        <p:nvSpPr>
+          <p:cNvPr id="4" name="Slide Number Placeholder 3"/>
+          <p:cNvSpPr>
+            <a:spLocks noGrp="1"/>
+          </p:cNvSpPr>
+          <p:nvPr>
+            <p:ph type="sldNum" sz="quarter" idx="12"/>
+          </p:nvPr>
+        </p:nvSpPr>
+        <p:spPr/>
+        <p:txBody>
+          <a:bodyPr/>
+          <a:lstStyle/>
+          <a:p>
+            <a:fld id="{B8DACC02-A2BD-4578-8E03-6D891060A695}" type="slidenum">
+              <a:rPr lang="en-US" smtClean="0"/>
+              <a:pPr/>
+              <a:t>49</a:t>
+            </a:fld>
+            <a:endParaRPr lang="en-US" dirty="0"/>
+          </a:p>
+        </p:txBody>
+      </p:sp>
     </p:spTree>
     <p:extLst>
       <p:ext uri="{BB962C8B-B14F-4D97-AF65-F5344CB8AC3E}">
@@ -9637,6 +11043,30 @@
           </a:p>
         </p:txBody>
       </p:sp>
+      <p:sp>
+        <p:nvSpPr>
+          <p:cNvPr id="4" name="Slide Number Placeholder 3"/>
+          <p:cNvSpPr>
+            <a:spLocks noGrp="1"/>
+          </p:cNvSpPr>
+          <p:nvPr>
+            <p:ph type="sldNum" sz="quarter" idx="12"/>
+          </p:nvPr>
+        </p:nvSpPr>
+        <p:spPr/>
+        <p:txBody>
+          <a:bodyPr/>
+          <a:lstStyle/>
+          <a:p>
+            <a:fld id="{B8DACC02-A2BD-4578-8E03-6D891060A695}" type="slidenum">
+              <a:rPr lang="en-US" smtClean="0"/>
+              <a:pPr/>
+              <a:t>5</a:t>
+            </a:fld>
+            <a:endParaRPr lang="en-US" dirty="0"/>
+          </a:p>
+        </p:txBody>
+      </p:sp>
     </p:spTree>
     <p:extLst>
       <p:ext uri="{BB962C8B-B14F-4D97-AF65-F5344CB8AC3E}">
@@ -9746,6 +11176,30 @@
           </a:p>
         </p:txBody>
       </p:sp>
+      <p:sp>
+        <p:nvSpPr>
+          <p:cNvPr id="4" name="Slide Number Placeholder 3"/>
+          <p:cNvSpPr>
+            <a:spLocks noGrp="1"/>
+          </p:cNvSpPr>
+          <p:nvPr>
+            <p:ph type="sldNum" sz="quarter" idx="12"/>
+          </p:nvPr>
+        </p:nvSpPr>
+        <p:spPr/>
+        <p:txBody>
+          <a:bodyPr/>
+          <a:lstStyle/>
+          <a:p>
+            <a:fld id="{B8DACC02-A2BD-4578-8E03-6D891060A695}" type="slidenum">
+              <a:rPr lang="en-US" smtClean="0"/>
+              <a:pPr/>
+              <a:t>50</a:t>
+            </a:fld>
+            <a:endParaRPr lang="en-US" dirty="0"/>
+          </a:p>
+        </p:txBody>
+      </p:sp>
     </p:spTree>
     <p:extLst>
       <p:ext uri="{BB962C8B-B14F-4D97-AF65-F5344CB8AC3E}">
@@ -9841,6 +11295,30 @@
           </a:prstGeom>
         </p:spPr>
       </p:pic>
+      <p:sp>
+        <p:nvSpPr>
+          <p:cNvPr id="4" name="Slide Number Placeholder 3"/>
+          <p:cNvSpPr>
+            <a:spLocks noGrp="1"/>
+          </p:cNvSpPr>
+          <p:nvPr>
+            <p:ph type="sldNum" sz="quarter" idx="12"/>
+          </p:nvPr>
+        </p:nvSpPr>
+        <p:spPr/>
+        <p:txBody>
+          <a:bodyPr/>
+          <a:lstStyle/>
+          <a:p>
+            <a:fld id="{B8DACC02-A2BD-4578-8E03-6D891060A695}" type="slidenum">
+              <a:rPr lang="en-US" smtClean="0"/>
+              <a:pPr/>
+              <a:t>6</a:t>
+            </a:fld>
+            <a:endParaRPr lang="en-US" dirty="0"/>
+          </a:p>
+        </p:txBody>
+      </p:sp>
     </p:spTree>
     <p:extLst>
       <p:ext uri="{BB962C8B-B14F-4D97-AF65-F5344CB8AC3E}">
@@ -9978,6 +11456,30 @@
           </a:p>
         </p:txBody>
       </p:sp>
+      <p:sp>
+        <p:nvSpPr>
+          <p:cNvPr id="4" name="Slide Number Placeholder 3"/>
+          <p:cNvSpPr>
+            <a:spLocks noGrp="1"/>
+          </p:cNvSpPr>
+          <p:nvPr>
+            <p:ph type="sldNum" sz="quarter" idx="12"/>
+          </p:nvPr>
+        </p:nvSpPr>
+        <p:spPr/>
+        <p:txBody>
+          <a:bodyPr/>
+          <a:lstStyle/>
+          <a:p>
+            <a:fld id="{B8DACC02-A2BD-4578-8E03-6D891060A695}" type="slidenum">
+              <a:rPr lang="en-US" smtClean="0"/>
+              <a:pPr/>
+              <a:t>7</a:t>
+            </a:fld>
+            <a:endParaRPr lang="en-US" dirty="0"/>
+          </a:p>
+        </p:txBody>
+      </p:sp>
     </p:spTree>
     <p:extLst>
       <p:ext uri="{BB962C8B-B14F-4D97-AF65-F5344CB8AC3E}">
@@ -10137,6 +11639,30 @@
           </a:p>
         </p:txBody>
       </p:sp>
+      <p:sp>
+        <p:nvSpPr>
+          <p:cNvPr id="4" name="Slide Number Placeholder 3"/>
+          <p:cNvSpPr>
+            <a:spLocks noGrp="1"/>
+          </p:cNvSpPr>
+          <p:nvPr>
+            <p:ph type="sldNum" sz="quarter" idx="12"/>
+          </p:nvPr>
+        </p:nvSpPr>
+        <p:spPr/>
+        <p:txBody>
+          <a:bodyPr/>
+          <a:lstStyle/>
+          <a:p>
+            <a:fld id="{B8DACC02-A2BD-4578-8E03-6D891060A695}" type="slidenum">
+              <a:rPr lang="en-US" smtClean="0"/>
+              <a:pPr/>
+              <a:t>8</a:t>
+            </a:fld>
+            <a:endParaRPr lang="en-US" dirty="0"/>
+          </a:p>
+        </p:txBody>
+      </p:sp>
     </p:spTree>
     <p:extLst>
       <p:ext uri="{BB962C8B-B14F-4D97-AF65-F5344CB8AC3E}">
@@ -10255,6 +11781,30 @@
               <a:rPr lang="en-US" dirty="0"/>
               <a:t>Use static analysis during software modeling</a:t>
             </a:r>
+          </a:p>
+        </p:txBody>
+      </p:sp>
+      <p:sp>
+        <p:nvSpPr>
+          <p:cNvPr id="4" name="Slide Number Placeholder 3"/>
+          <p:cNvSpPr>
+            <a:spLocks noGrp="1"/>
+          </p:cNvSpPr>
+          <p:nvPr>
+            <p:ph type="sldNum" sz="quarter" idx="12"/>
+          </p:nvPr>
+        </p:nvSpPr>
+        <p:spPr/>
+        <p:txBody>
+          <a:bodyPr/>
+          <a:lstStyle/>
+          <a:p>
+            <a:fld id="{B8DACC02-A2BD-4578-8E03-6D891060A695}" type="slidenum">
+              <a:rPr lang="en-US" smtClean="0"/>
+              <a:pPr/>
+              <a:t>9</a:t>
+            </a:fld>
+            <a:endParaRPr lang="en-US" dirty="0"/>
           </a:p>
         </p:txBody>
       </p:sp>
@@ -10530,4 +12080,265 @@
     </a:ext>
   </a:extLst>
 </a:theme>
+</file>
+
+<file path=ppt/theme/theme2.xml><?xml version="1.0" encoding="utf-8"?>
+<a:theme xmlns:a="http://schemas.openxmlformats.org/drawingml/2006/main" name="Office Theme">
+  <a:themeElements>
+    <a:clrScheme name="Office">
+      <a:dk1>
+        <a:sysClr val="windowText" lastClr="000000"/>
+      </a:dk1>
+      <a:lt1>
+        <a:sysClr val="window" lastClr="FFFFFF"/>
+      </a:lt1>
+      <a:dk2>
+        <a:srgbClr val="44546A"/>
+      </a:dk2>
+      <a:lt2>
+        <a:srgbClr val="E7E6E6"/>
+      </a:lt2>
+      <a:accent1>
+        <a:srgbClr val="5B9BD5"/>
+      </a:accent1>
+      <a:accent2>
+        <a:srgbClr val="ED7D31"/>
+      </a:accent2>
+      <a:accent3>
+        <a:srgbClr val="A5A5A5"/>
+      </a:accent3>
+      <a:accent4>
+        <a:srgbClr val="FFC000"/>
+      </a:accent4>
+      <a:accent5>
+        <a:srgbClr val="4472C4"/>
+      </a:accent5>
+      <a:accent6>
+        <a:srgbClr val="70AD47"/>
+      </a:accent6>
+      <a:hlink>
+        <a:srgbClr val="0563C1"/>
+      </a:hlink>
+      <a:folHlink>
+        <a:srgbClr val="954F72"/>
+      </a:folHlink>
+    </a:clrScheme>
+    <a:fontScheme name="Office">
+      <a:majorFont>
+        <a:latin typeface="Calibri Light" panose="020F0302020204030204"/>
+        <a:ea typeface=""/>
+        <a:cs typeface=""/>
+        <a:font script="Jpan" typeface="游ゴシック Light"/>
+        <a:font script="Hang" typeface="맑은 고딕"/>
+        <a:font script="Hans" typeface="等线 Light"/>
+        <a:font script="Hant" typeface="新細明體"/>
+        <a:font script="Arab" typeface="Times New Roman"/>
+        <a:font script="Hebr" typeface="Times New Roman"/>
+        <a:font script="Thai" typeface="Angsana New"/>
+        <a:font script="Ethi" typeface="Nyala"/>
+        <a:font script="Beng" typeface="Vrinda"/>
+        <a:font script="Gujr" typeface="Shruti"/>
+        <a:font script="Khmr" typeface="MoolBoran"/>
+        <a:font script="Knda" typeface="Tunga"/>
+        <a:font script="Guru" typeface="Raavi"/>
+        <a:font script="Cans" typeface="Euphemia"/>
+        <a:font script="Cher" typeface="Plantagenet Cherokee"/>
+        <a:font script="Yiii" typeface="Microsoft Yi Baiti"/>
+        <a:font script="Tibt" typeface="Microsoft Himalaya"/>
+        <a:font script="Thaa" typeface="MV Boli"/>
+        <a:font script="Deva" typeface="Mangal"/>
+        <a:font script="Telu" typeface="Gautami"/>
+        <a:font script="Taml" typeface="Latha"/>
+        <a:font script="Syrc" typeface="Estrangelo Edessa"/>
+        <a:font script="Orya" typeface="Kalinga"/>
+        <a:font script="Mlym" typeface="Kartika"/>
+        <a:font script="Laoo" typeface="DokChampa"/>
+        <a:font script="Sinh" typeface="Iskoola Pota"/>
+        <a:font script="Mong" typeface="Mongolian Baiti"/>
+        <a:font script="Viet" typeface="Times New Roman"/>
+        <a:font script="Uigh" typeface="Microsoft Uighur"/>
+        <a:font script="Geor" typeface="Sylfaen"/>
+      </a:majorFont>
+      <a:minorFont>
+        <a:latin typeface="Calibri" panose="020F0502020204030204"/>
+        <a:ea typeface=""/>
+        <a:cs typeface=""/>
+        <a:font script="Jpan" typeface="游ゴシック"/>
+        <a:font script="Hang" typeface="맑은 고딕"/>
+        <a:font script="Hans" typeface="等线"/>
+        <a:font script="Hant" typeface="新細明體"/>
+        <a:font script="Arab" typeface="Arial"/>
+        <a:font script="Hebr" typeface="Arial"/>
+        <a:font script="Thai" typeface="Cordia New"/>
+        <a:font script="Ethi" typeface="Nyala"/>
+        <a:font script="Beng" typeface="Vrinda"/>
+        <a:font script="Gujr" typeface="Shruti"/>
+        <a:font script="Khmr" typeface="DaunPenh"/>
+        <a:font script="Knda" typeface="Tunga"/>
+        <a:font script="Guru" typeface="Raavi"/>
+        <a:font script="Cans" typeface="Euphemia"/>
+        <a:font script="Cher" typeface="Plantagenet Cherokee"/>
+        <a:font script="Yiii" typeface="Microsoft Yi Baiti"/>
+        <a:font script="Tibt" typeface="Microsoft Himalaya"/>
+        <a:font script="Thaa" typeface="MV Boli"/>
+        <a:font script="Deva" typeface="Mangal"/>
+        <a:font script="Telu" typeface="Gautami"/>
+        <a:font script="Taml" typeface="Latha"/>
+        <a:font script="Syrc" typeface="Estrangelo Edessa"/>
+        <a:font script="Orya" typeface="Kalinga"/>
+        <a:font script="Mlym" typeface="Kartika"/>
+        <a:font script="Laoo" typeface="DokChampa"/>
+        <a:font script="Sinh" typeface="Iskoola Pota"/>
+        <a:font script="Mong" typeface="Mongolian Baiti"/>
+        <a:font script="Viet" typeface="Arial"/>
+        <a:font script="Uigh" typeface="Microsoft Uighur"/>
+        <a:font script="Geor" typeface="Sylfaen"/>
+      </a:minorFont>
+    </a:fontScheme>
+    <a:fmtScheme name="Office">
+      <a:fillStyleLst>
+        <a:solidFill>
+          <a:schemeClr val="phClr"/>
+        </a:solidFill>
+        <a:gradFill rotWithShape="1">
+          <a:gsLst>
+            <a:gs pos="0">
+              <a:schemeClr val="phClr">
+                <a:lumMod val="110000"/>
+                <a:satMod val="105000"/>
+                <a:tint val="67000"/>
+              </a:schemeClr>
+            </a:gs>
+            <a:gs pos="50000">
+              <a:schemeClr val="phClr">
+                <a:lumMod val="105000"/>
+                <a:satMod val="103000"/>
+                <a:tint val="73000"/>
+              </a:schemeClr>
+            </a:gs>
+            <a:gs pos="100000">
+              <a:schemeClr val="phClr">
+                <a:lumMod val="105000"/>
+                <a:satMod val="109000"/>
+                <a:tint val="81000"/>
+              </a:schemeClr>
+            </a:gs>
+          </a:gsLst>
+          <a:lin ang="5400000" scaled="0"/>
+        </a:gradFill>
+        <a:gradFill rotWithShape="1">
+          <a:gsLst>
+            <a:gs pos="0">
+              <a:schemeClr val="phClr">
+                <a:satMod val="103000"/>
+                <a:lumMod val="102000"/>
+                <a:tint val="94000"/>
+              </a:schemeClr>
+            </a:gs>
+            <a:gs pos="50000">
+              <a:schemeClr val="phClr">
+                <a:satMod val="110000"/>
+                <a:lumMod val="100000"/>
+                <a:shade val="100000"/>
+              </a:schemeClr>
+            </a:gs>
+            <a:gs pos="100000">
+              <a:schemeClr val="phClr">
+                <a:lumMod val="99000"/>
+                <a:satMod val="120000"/>
+                <a:shade val="78000"/>
+              </a:schemeClr>
+            </a:gs>
+          </a:gsLst>
+          <a:lin ang="5400000" scaled="0"/>
+        </a:gradFill>
+      </a:fillStyleLst>
+      <a:lnStyleLst>
+        <a:ln w="6350" cap="flat" cmpd="sng" algn="ctr">
+          <a:solidFill>
+            <a:schemeClr val="phClr"/>
+          </a:solidFill>
+          <a:prstDash val="solid"/>
+          <a:miter lim="800000"/>
+        </a:ln>
+        <a:ln w="12700" cap="flat" cmpd="sng" algn="ctr">
+          <a:solidFill>
+            <a:schemeClr val="phClr"/>
+          </a:solidFill>
+          <a:prstDash val="solid"/>
+          <a:miter lim="800000"/>
+        </a:ln>
+        <a:ln w="19050" cap="flat" cmpd="sng" algn="ctr">
+          <a:solidFill>
+            <a:schemeClr val="phClr"/>
+          </a:solidFill>
+          <a:prstDash val="solid"/>
+          <a:miter lim="800000"/>
+        </a:ln>
+      </a:lnStyleLst>
+      <a:effectStyleLst>
+        <a:effectStyle>
+          <a:effectLst/>
+        </a:effectStyle>
+        <a:effectStyle>
+          <a:effectLst/>
+        </a:effectStyle>
+        <a:effectStyle>
+          <a:effectLst>
+            <a:outerShdw blurRad="57150" dist="19050" dir="5400000" algn="ctr" rotWithShape="0">
+              <a:srgbClr val="000000">
+                <a:alpha val="63000"/>
+              </a:srgbClr>
+            </a:outerShdw>
+          </a:effectLst>
+        </a:effectStyle>
+      </a:effectStyleLst>
+      <a:bgFillStyleLst>
+        <a:solidFill>
+          <a:schemeClr val="phClr"/>
+        </a:solidFill>
+        <a:solidFill>
+          <a:schemeClr val="phClr">
+            <a:tint val="95000"/>
+            <a:satMod val="170000"/>
+          </a:schemeClr>
+        </a:solidFill>
+        <a:gradFill rotWithShape="1">
+          <a:gsLst>
+            <a:gs pos="0">
+              <a:schemeClr val="phClr">
+                <a:tint val="93000"/>
+                <a:satMod val="150000"/>
+                <a:shade val="98000"/>
+                <a:lumMod val="102000"/>
+              </a:schemeClr>
+            </a:gs>
+            <a:gs pos="50000">
+              <a:schemeClr val="phClr">
+                <a:tint val="98000"/>
+                <a:satMod val="130000"/>
+                <a:shade val="90000"/>
+                <a:lumMod val="103000"/>
+              </a:schemeClr>
+            </a:gs>
+            <a:gs pos="100000">
+              <a:schemeClr val="phClr">
+                <a:shade val="63000"/>
+                <a:satMod val="120000"/>
+              </a:schemeClr>
+            </a:gs>
+          </a:gsLst>
+          <a:lin ang="5400000" scaled="0"/>
+        </a:gradFill>
+      </a:bgFillStyleLst>
+    </a:fmtScheme>
+  </a:themeElements>
+  <a:objectDefaults/>
+  <a:extraClrSchemeLst/>
+  <a:extLst>
+    <a:ext uri="{05A4C25C-085E-4340-85A3-A5531E510DB2}">
+      <thm15:themeFamily xmlns:thm15="http://schemas.microsoft.com/office/thememl/2012/main" name="Office Theme" id="{62F939B6-93AF-4DB8-9C6B-D6C7DFDC589F}" vid="{4A3C46E8-61CC-4603-A589-7422A47A8E4A}"/>
+    </a:ext>
+  </a:extLst>
+</a:theme>
 </file>
--- a/SE401/Lectures/4-Static Testing/Static Testing.pptx
+++ b/SE401/Lectures/4-Static Testing/Static Testing.pptx
@@ -5,7 +5,7 @@
     <p:sldMasterId id="2147483648" r:id="rId1"/>
   </p:sldMasterIdLst>
   <p:notesMasterIdLst>
-    <p:notesMasterId r:id="rId54"/>
+    <p:notesMasterId r:id="rId53"/>
   </p:notesMasterIdLst>
   <p:sldIdLst>
     <p:sldId id="256" r:id="rId2"/>
@@ -57,9 +57,8 @@
     <p:sldId id="314" r:id="rId48"/>
     <p:sldId id="315" r:id="rId49"/>
     <p:sldId id="316" r:id="rId50"/>
-    <p:sldId id="317" r:id="rId51"/>
-    <p:sldId id="318" r:id="rId52"/>
-    <p:sldId id="319" r:id="rId53"/>
+    <p:sldId id="318" r:id="rId51"/>
+    <p:sldId id="319" r:id="rId52"/>
   </p:sldIdLst>
   <p:sldSz cx="12192000" cy="6858000"/>
   <p:notesSz cx="6858000" cy="9144000"/>
@@ -9985,7 +9984,7 @@
           <a:p>
             <a:fld id="{69F020AB-CBD5-437C-95E8-69FC5AD99968}" type="datetimeFigureOut">
               <a:rPr lang="en-US" smtClean="0"/>
-              <a:t>2/14/2022</a:t>
+              <a:t>2/16/2022</a:t>
             </a:fld>
             <a:endParaRPr lang="en-US"/>
           </a:p>
@@ -10390,7 +10389,7 @@
           <a:p>
             <a:fld id="{EFE1C5A3-DB74-4ACD-84FA-51D8EF50FAE9}" type="datetime1">
               <a:rPr lang="en-US" smtClean="0"/>
-              <a:t>2/14/2022</a:t>
+              <a:t>2/16/2022</a:t>
             </a:fld>
             <a:endParaRPr lang="en-US"/>
           </a:p>
@@ -10641,7 +10640,7 @@
           <a:p>
             <a:fld id="{04AF7FEE-064B-4562-BB47-45D1BB22CD38}" type="datetime1">
               <a:rPr lang="en-US" smtClean="0"/>
-              <a:t>2/14/2022</a:t>
+              <a:t>2/16/2022</a:t>
             </a:fld>
             <a:endParaRPr lang="en-US"/>
           </a:p>
@@ -10821,7 +10820,7 @@
           <a:p>
             <a:fld id="{27ACD08E-127B-43D6-A8BE-5CE7D67D77C9}" type="datetime1">
               <a:rPr lang="en-US" smtClean="0"/>
-              <a:t>2/14/2022</a:t>
+              <a:t>2/16/2022</a:t>
             </a:fld>
             <a:endParaRPr lang="en-US"/>
           </a:p>
@@ -11077,7 +11076,7 @@
           <a:p>
             <a:fld id="{1EE2B8A9-8616-481A-9F0B-0A016FF1ED60}" type="datetime1">
               <a:rPr lang="en-US" smtClean="0"/>
-              <a:t>2/14/2022</a:t>
+              <a:t>2/16/2022</a:t>
             </a:fld>
             <a:endParaRPr lang="en-US"/>
           </a:p>
@@ -11422,7 +11421,7 @@
           <a:p>
             <a:fld id="{6A276D3E-90CE-4EC6-A594-6CC88BB199F8}" type="datetime1">
               <a:rPr lang="en-US" smtClean="0"/>
-              <a:t>2/14/2022</a:t>
+              <a:t>2/16/2022</a:t>
             </a:fld>
             <a:endParaRPr lang="en-US"/>
           </a:p>
@@ -11654,7 +11653,7 @@
           <a:p>
             <a:fld id="{45ED70ED-086C-4177-A2D4-9990275E8221}" type="datetime1">
               <a:rPr lang="en-US" smtClean="0"/>
-              <a:t>2/14/2022</a:t>
+              <a:t>2/16/2022</a:t>
             </a:fld>
             <a:endParaRPr lang="en-US"/>
           </a:p>
@@ -12021,7 +12020,7 @@
           <a:p>
             <a:fld id="{3D966E62-2316-40CE-BB97-33C04C206C67}" type="datetime1">
               <a:rPr lang="en-US" smtClean="0"/>
-              <a:t>2/14/2022</a:t>
+              <a:t>2/16/2022</a:t>
             </a:fld>
             <a:endParaRPr lang="en-US"/>
           </a:p>
@@ -12116,7 +12115,7 @@
           <a:p>
             <a:fld id="{9E075E72-348A-428B-9006-7EA69B6B28A1}" type="datetime1">
               <a:rPr lang="en-US" smtClean="0"/>
-              <a:t>2/14/2022</a:t>
+              <a:t>2/16/2022</a:t>
             </a:fld>
             <a:endParaRPr lang="en-US"/>
           </a:p>
@@ -12339,7 +12338,7 @@
             <a:fld id="{B2F5E2FA-C428-4CE7-95B0-168D3259A5BB}" type="datetimeFigureOut">
               <a:rPr lang="en-US" smtClean="0"/>
               <a:pPr/>
-              <a:t>2/14/2022</a:t>
+              <a:t>2/16/2022</a:t>
             </a:fld>
             <a:endParaRPr lang="en-US"/>
           </a:p>
@@ -12510,7 +12509,7 @@
           <a:p>
             <a:fld id="{29D23239-7CB9-4A04-8D5A-03799E9BA489}" type="datetime1">
               <a:rPr lang="en-US" smtClean="0"/>
-              <a:t>2/14/2022</a:t>
+              <a:t>2/16/2022</a:t>
             </a:fld>
             <a:endParaRPr lang="en-US"/>
           </a:p>
@@ -12787,7 +12786,7 @@
           <a:p>
             <a:fld id="{E50F450A-A890-4C38-A643-A1F983F1D1C8}" type="datetime1">
               <a:rPr lang="en-US" smtClean="0"/>
-              <a:t>2/14/2022</a:t>
+              <a:t>2/16/2022</a:t>
             </a:fld>
             <a:endParaRPr lang="en-US"/>
           </a:p>
@@ -13040,7 +13039,7 @@
           <a:p>
             <a:fld id="{FFA09785-832E-4A59-A193-4248D3B71C83}" type="datetime1">
               <a:rPr lang="en-US" smtClean="0"/>
-              <a:t>2/14/2022</a:t>
+              <a:t>2/16/2022</a:t>
             </a:fld>
             <a:endParaRPr lang="en-US"/>
           </a:p>
@@ -13253,7 +13252,7 @@
           <a:p>
             <a:fld id="{D2972026-E2FC-4D07-B2A1-4E525273E422}" type="datetime1">
               <a:rPr lang="en-US" smtClean="0"/>
-              <a:t>2/14/2022</a:t>
+              <a:t>2/16/2022</a:t>
             </a:fld>
             <a:endParaRPr lang="en-US"/>
           </a:p>
@@ -20663,12 +20662,12 @@
               <a:t>material need to be </a:t>
             </a:r>
             <a:r>
-              <a:rPr lang="en-US" dirty="0" err="1"/>
-              <a:t>keept</a:t>
-            </a:r>
-            <a:r>
-              <a:rPr lang="en-US" dirty="0"/>
-              <a:t> up to date</a:t>
+              <a:rPr lang="en-US" dirty="0" smtClean="0"/>
+              <a:t>kept </a:t>
+            </a:r>
+            <a:r>
+              <a:rPr lang="en-US" dirty="0"/>
+              <a:t>up to date</a:t>
             </a:r>
           </a:p>
           <a:p>
@@ -20816,63 +20815,105 @@
             </a:r>
             <a:r>
               <a:rPr lang="en-US" dirty="0"/>
-              <a:t>the right reviewers</a:t>
-            </a:r>
+              <a:t>the right </a:t>
+            </a:r>
+            <a:r>
+              <a:rPr lang="en-US" dirty="0" smtClean="0"/>
+              <a:t>reviewers (testers mindsets)</a:t>
+            </a:r>
+            <a:endParaRPr lang="en-US" dirty="0"/>
           </a:p>
           <a:p>
             <a:pPr lvl="1"/>
             <a:r>
               <a:rPr lang="en-US" dirty="0" smtClean="0"/>
-              <a:t>Use </a:t>
-            </a:r>
-            <a:r>
-              <a:rPr lang="en-US" dirty="0"/>
-              <a:t>testers</a:t>
+              <a:t>Each </a:t>
+            </a:r>
+            <a:r>
+              <a:rPr lang="en-US" dirty="0"/>
+              <a:t>reviewers does their review work well</a:t>
             </a:r>
           </a:p>
           <a:p>
             <a:pPr lvl="1"/>
             <a:r>
               <a:rPr lang="en-US" dirty="0" smtClean="0"/>
-              <a:t>Each </a:t>
-            </a:r>
-            <a:r>
-              <a:rPr lang="en-US" dirty="0"/>
-              <a:t>reviewers does their review work well</a:t>
+              <a:t>Limit </a:t>
+            </a:r>
+            <a:r>
+              <a:rPr lang="en-US" dirty="0"/>
+              <a:t>the scope of the review and pick things that really count</a:t>
             </a:r>
           </a:p>
           <a:p>
             <a:pPr lvl="1"/>
             <a:r>
               <a:rPr lang="en-US" dirty="0" smtClean="0"/>
-              <a:t>Limit </a:t>
-            </a:r>
-            <a:r>
-              <a:rPr lang="en-US" dirty="0"/>
-              <a:t>the scope of the review and pick things that really count</a:t>
+              <a:t>Defects </a:t>
+            </a:r>
+            <a:r>
+              <a:rPr lang="en-US" dirty="0"/>
+              <a:t>found should be welcomed</a:t>
             </a:r>
           </a:p>
           <a:p>
             <a:pPr lvl="1"/>
             <a:r>
               <a:rPr lang="en-US" dirty="0" smtClean="0"/>
-              <a:t>Defects </a:t>
-            </a:r>
-            <a:r>
-              <a:rPr lang="en-US" dirty="0"/>
-              <a:t>found should be welcomed</a:t>
+              <a:t>Review </a:t>
+            </a:r>
+            <a:r>
+              <a:rPr lang="en-US" dirty="0"/>
+              <a:t>meeting are well </a:t>
+            </a:r>
+            <a:r>
+              <a:rPr lang="en-US" dirty="0" smtClean="0"/>
+              <a:t>managed</a:t>
             </a:r>
           </a:p>
           <a:p>
             <a:pPr lvl="1"/>
             <a:r>
-              <a:rPr lang="en-US" dirty="0" smtClean="0"/>
-              <a:t>Review </a:t>
-            </a:r>
-            <a:r>
-              <a:rPr lang="en-US" dirty="0"/>
-              <a:t>meeting are well managed</a:t>
-            </a:r>
+              <a:rPr lang="en-US" dirty="0"/>
+              <a:t>Trust is critical</a:t>
+            </a:r>
+          </a:p>
+          <a:p>
+            <a:pPr lvl="1"/>
+            <a:r>
+              <a:rPr lang="en-US" dirty="0" smtClean="0"/>
+              <a:t>Communication </a:t>
+            </a:r>
+            <a:r>
+              <a:rPr lang="en-US" dirty="0"/>
+              <a:t>is important</a:t>
+            </a:r>
+          </a:p>
+          <a:p>
+            <a:pPr lvl="1"/>
+            <a:r>
+              <a:rPr lang="en-US" dirty="0"/>
+              <a:t>Follow the rules, but keep it simple</a:t>
+            </a:r>
+          </a:p>
+          <a:p>
+            <a:pPr lvl="1"/>
+            <a:r>
+              <a:rPr lang="en-US" dirty="0"/>
+              <a:t>Train participants</a:t>
+            </a:r>
+          </a:p>
+          <a:p>
+            <a:pPr lvl="1"/>
+            <a:r>
+              <a:rPr lang="en-US" dirty="0"/>
+              <a:t>Continuously improve process and </a:t>
+            </a:r>
+            <a:r>
+              <a:rPr lang="en-US" dirty="0" smtClean="0"/>
+              <a:t>tools</a:t>
+            </a:r>
+            <a:endParaRPr lang="en-US" dirty="0"/>
           </a:p>
         </p:txBody>
       </p:sp>
@@ -21049,8 +21090,13 @@
           <a:p>
             <a:r>
               <a:rPr lang="en-US" dirty="0"/>
-              <a:t>Success factors for reviews</a:t>
-            </a:r>
+              <a:t>Success </a:t>
+            </a:r>
+            <a:r>
+              <a:rPr lang="en-US" dirty="0" smtClean="0"/>
+              <a:t>factors - approach</a:t>
+            </a:r>
+            <a:endParaRPr lang="en-US" dirty="0"/>
           </a:p>
         </p:txBody>
       </p:sp>
@@ -21073,77 +21119,78 @@
           <a:p>
             <a:r>
               <a:rPr lang="en-US" dirty="0" smtClean="0"/>
-              <a:t>People related </a:t>
-            </a:r>
-            <a:r>
-              <a:rPr lang="en-US" dirty="0"/>
-              <a:t>success factors , continues</a:t>
-            </a:r>
-          </a:p>
-          <a:p>
-            <a:pPr lvl="1"/>
-            <a:r>
-              <a:rPr lang="en-US" dirty="0" smtClean="0"/>
-              <a:t>Trust </a:t>
-            </a:r>
-            <a:r>
-              <a:rPr lang="en-US" dirty="0"/>
-              <a:t>is critical</a:t>
-            </a:r>
-          </a:p>
-          <a:p>
-            <a:pPr lvl="1"/>
-            <a:r>
-              <a:rPr lang="en-US" dirty="0" smtClean="0"/>
-              <a:t>How </a:t>
-            </a:r>
-            <a:r>
-              <a:rPr lang="en-US" dirty="0"/>
-              <a:t>you communication is important</a:t>
-            </a:r>
-          </a:p>
-          <a:p>
-            <a:pPr lvl="1"/>
-            <a:r>
-              <a:rPr lang="en-US" dirty="0" smtClean="0"/>
-              <a:t>Follow </a:t>
-            </a:r>
-            <a:r>
-              <a:rPr lang="en-US" dirty="0"/>
-              <a:t>the rules, but keep it simple</a:t>
-            </a:r>
-          </a:p>
-          <a:p>
-            <a:pPr lvl="1"/>
-            <a:r>
-              <a:rPr lang="en-US" dirty="0" smtClean="0"/>
-              <a:t>Train </a:t>
-            </a:r>
-            <a:r>
-              <a:rPr lang="en-US" dirty="0"/>
-              <a:t>participants</a:t>
-            </a:r>
-          </a:p>
-          <a:p>
-            <a:pPr lvl="1"/>
-            <a:r>
-              <a:rPr lang="en-US" dirty="0" smtClean="0"/>
-              <a:t>Continuously </a:t>
-            </a:r>
-            <a:r>
-              <a:rPr lang="en-US" dirty="0"/>
-              <a:t>improve process and tools</a:t>
-            </a:r>
-          </a:p>
-          <a:p>
-            <a:pPr lvl="1"/>
-            <a:r>
-              <a:rPr lang="en-US" dirty="0" smtClean="0"/>
-              <a:t>Just </a:t>
-            </a:r>
-            <a:r>
-              <a:rPr lang="en-US" dirty="0"/>
-              <a:t>do it!</a:t>
+              <a:t>Defects </a:t>
+            </a:r>
+            <a:r>
+              <a:rPr lang="en-US" dirty="0"/>
+              <a:t>found are welcome and </a:t>
+            </a:r>
+            <a:r>
+              <a:rPr lang="en-US" dirty="0" smtClean="0"/>
+              <a:t>expressed objectively</a:t>
+            </a:r>
+            <a:endParaRPr lang="en-US" dirty="0"/>
+          </a:p>
+          <a:p>
+            <a:r>
+              <a:rPr lang="en-US" dirty="0" smtClean="0"/>
+              <a:t>Apply </a:t>
+            </a:r>
+            <a:r>
+              <a:rPr lang="en-US" dirty="0"/>
+              <a:t>suitable review techniques for the type </a:t>
+            </a:r>
+            <a:r>
+              <a:rPr lang="en-US" dirty="0" smtClean="0"/>
+              <a:t>and level </a:t>
+            </a:r>
+            <a:r>
+              <a:rPr lang="en-US" dirty="0"/>
+              <a:t>of software products.</a:t>
+            </a:r>
+          </a:p>
+          <a:p>
+            <a:r>
+              <a:rPr lang="en-US" dirty="0" smtClean="0"/>
+              <a:t>Use </a:t>
+            </a:r>
+            <a:r>
+              <a:rPr lang="en-US" dirty="0"/>
+              <a:t>checklists or roles if appropriate to </a:t>
+            </a:r>
+            <a:r>
+              <a:rPr lang="en-US" dirty="0" smtClean="0"/>
+              <a:t>increase effectiveness </a:t>
+            </a:r>
+            <a:r>
+              <a:rPr lang="en-US" dirty="0"/>
+              <a:t>of defect identification.</a:t>
+            </a:r>
+          </a:p>
+          <a:p>
+            <a:r>
+              <a:rPr lang="en-US" dirty="0" smtClean="0"/>
+              <a:t>Management </a:t>
+            </a:r>
+            <a:r>
+              <a:rPr lang="en-US" dirty="0"/>
+              <a:t>supports a good review process (e.g</a:t>
+            </a:r>
+            <a:r>
+              <a:rPr lang="en-US" dirty="0" smtClean="0"/>
+              <a:t>. by </a:t>
+            </a:r>
+            <a:r>
+              <a:rPr lang="en-US" dirty="0"/>
+              <a:t>incorporating adequate time for </a:t>
+            </a:r>
+            <a:r>
+              <a:rPr lang="en-US" dirty="0" smtClean="0"/>
+              <a:t>review activities</a:t>
+            </a:r>
+            <a:r>
+              <a:rPr lang="en-US" dirty="0"/>
+              <a:t>).</a:t>
             </a:r>
           </a:p>
         </p:txBody>
@@ -21175,7 +21222,7 @@
     </p:spTree>
     <p:extLst>
       <p:ext uri="{BB962C8B-B14F-4D97-AF65-F5344CB8AC3E}">
-        <p14:creationId xmlns:p14="http://schemas.microsoft.com/office/powerpoint/2010/main" val="1916163528"/>
+        <p14:creationId xmlns:p14="http://schemas.microsoft.com/office/powerpoint/2010/main" val="1183657124"/>
       </p:ext>
     </p:extLst>
   </p:cSld>
@@ -21223,9 +21270,12 @@
             </a:r>
             <a:r>
               <a:rPr lang="en-US" dirty="0" smtClean="0"/>
-              <a:t>factors - approach</a:t>
-            </a:r>
-            <a:endParaRPr lang="en-US" dirty="0"/>
+              <a:t>factors - training </a:t>
+            </a:r>
+            <a:r>
+              <a:rPr lang="en-US" dirty="0"/>
+              <a:t>and learning</a:t>
+            </a:r>
           </a:p>
         </p:txBody>
       </p:sp>
@@ -21241,86 +21291,40 @@
         </p:nvSpPr>
         <p:spPr/>
         <p:txBody>
-          <a:bodyPr>
-            <a:normAutofit/>
-          </a:bodyPr>
+          <a:bodyPr/>
           <a:lstStyle/>
           <a:p>
             <a:r>
               <a:rPr lang="en-US" dirty="0" smtClean="0"/>
-              <a:t>Defects </a:t>
-            </a:r>
-            <a:r>
-              <a:rPr lang="en-US" dirty="0"/>
-              <a:t>found are welcome and </a:t>
-            </a:r>
-            <a:r>
-              <a:rPr lang="en-US" dirty="0" smtClean="0"/>
-              <a:t>expressed objectively</a:t>
+              <a:t>Training </a:t>
+            </a:r>
+            <a:r>
+              <a:rPr lang="en-US" dirty="0"/>
+              <a:t>is given in review techniques, </a:t>
+            </a:r>
+            <a:r>
+              <a:rPr lang="en-US" dirty="0" smtClean="0"/>
+              <a:t>especially the </a:t>
+            </a:r>
+            <a:r>
+              <a:rPr lang="en-US" dirty="0"/>
+              <a:t>more formal techniques, such as inspection.</a:t>
+            </a:r>
+          </a:p>
+          <a:p>
+            <a:r>
+              <a:rPr lang="en-US" dirty="0" smtClean="0"/>
+              <a:t>There </a:t>
+            </a:r>
+            <a:r>
+              <a:rPr lang="en-US" dirty="0"/>
+              <a:t>is an emphasis on learning and </a:t>
+            </a:r>
+            <a:r>
+              <a:rPr lang="en-US" dirty="0" smtClean="0"/>
+              <a:t>process improvement</a:t>
             </a:r>
             <a:endParaRPr lang="en-US" dirty="0"/>
-          </a:p>
-          <a:p>
-            <a:r>
-              <a:rPr lang="en-US" dirty="0" smtClean="0"/>
-              <a:t>Apply </a:t>
-            </a:r>
-            <a:r>
-              <a:rPr lang="en-US" dirty="0"/>
-              <a:t>suitable review techniques for the type </a:t>
-            </a:r>
-            <a:r>
-              <a:rPr lang="en-US" dirty="0" smtClean="0"/>
-              <a:t>and level </a:t>
-            </a:r>
-            <a:r>
-              <a:rPr lang="en-US" dirty="0"/>
-              <a:t>of software products.</a:t>
-            </a:r>
-          </a:p>
-          <a:p>
-            <a:r>
-              <a:rPr lang="en-US" dirty="0" smtClean="0"/>
-              <a:t>Use </a:t>
-            </a:r>
-            <a:r>
-              <a:rPr lang="en-US" dirty="0"/>
-              <a:t>checklists or roles if appropriate to </a:t>
-            </a:r>
-            <a:r>
-              <a:rPr lang="en-US" dirty="0" smtClean="0"/>
-              <a:t>increase effectiveness </a:t>
-            </a:r>
-            <a:r>
-              <a:rPr lang="en-US" dirty="0"/>
-              <a:t>of defect identification.</a:t>
-            </a:r>
-          </a:p>
-          <a:p>
-            <a:r>
-              <a:rPr lang="en-US" dirty="0" smtClean="0"/>
-              <a:t>Management </a:t>
-            </a:r>
-            <a:r>
-              <a:rPr lang="en-US" dirty="0"/>
-              <a:t>supports a good review process (e.g</a:t>
-            </a:r>
-            <a:r>
-              <a:rPr lang="en-US" dirty="0" smtClean="0"/>
-              <a:t>. by </a:t>
-            </a:r>
-            <a:r>
-              <a:rPr lang="en-US" dirty="0"/>
-              <a:t>incorporating adequate time for </a:t>
-            </a:r>
-            <a:r>
-              <a:rPr lang="en-US" dirty="0" smtClean="0"/>
-              <a:t>review activities</a:t>
-            </a:r>
-            <a:r>
-              <a:rPr lang="en-US" dirty="0"/>
-              <a:t>).</a:t>
-            </a:r>
           </a:p>
         </p:txBody>
       </p:sp>
@@ -21343,139 +21347,6 @@
               <a:rPr lang="en-US" smtClean="0"/>
               <a:pPr/>
               <a:t>51</a:t>
-            </a:fld>
-            <a:endParaRPr lang="en-US" dirty="0"/>
-          </a:p>
-        </p:txBody>
-      </p:sp>
-    </p:spTree>
-    <p:extLst>
-      <p:ext uri="{BB962C8B-B14F-4D97-AF65-F5344CB8AC3E}">
-        <p14:creationId xmlns:p14="http://schemas.microsoft.com/office/powerpoint/2010/main" val="1183657124"/>
-      </p:ext>
-    </p:extLst>
-  </p:cSld>
-  <p:clrMapOvr>
-    <a:masterClrMapping/>
-  </p:clrMapOvr>
-</p:sld>
-</file>
-
-<file path=ppt/slides/slide52.xml><?xml version="1.0" encoding="utf-8"?>
-<p:sld xmlns:a="http://schemas.openxmlformats.org/drawingml/2006/main" xmlns:r="http://schemas.openxmlformats.org/officeDocument/2006/relationships" xmlns:p="http://schemas.openxmlformats.org/presentationml/2006/main">
-  <p:cSld>
-    <p:spTree>
-      <p:nvGrpSpPr>
-        <p:cNvPr id="1" name=""/>
-        <p:cNvGrpSpPr/>
-        <p:nvPr/>
-      </p:nvGrpSpPr>
-      <p:grpSpPr>
-        <a:xfrm>
-          <a:off x="0" y="0"/>
-          <a:ext cx="0" cy="0"/>
-          <a:chOff x="0" y="0"/>
-          <a:chExt cx="0" cy="0"/>
-        </a:xfrm>
-      </p:grpSpPr>
-      <p:sp>
-        <p:nvSpPr>
-          <p:cNvPr id="2" name="Title 1"/>
-          <p:cNvSpPr>
-            <a:spLocks noGrp="1"/>
-          </p:cNvSpPr>
-          <p:nvPr>
-            <p:ph type="title"/>
-          </p:nvPr>
-        </p:nvSpPr>
-        <p:spPr/>
-        <p:txBody>
-          <a:bodyPr/>
-          <a:lstStyle/>
-          <a:p>
-            <a:r>
-              <a:rPr lang="en-US" dirty="0"/>
-              <a:t>Success </a:t>
-            </a:r>
-            <a:r>
-              <a:rPr lang="en-US" dirty="0" smtClean="0"/>
-              <a:t>factors - training </a:t>
-            </a:r>
-            <a:r>
-              <a:rPr lang="en-US" dirty="0"/>
-              <a:t>and learning</a:t>
-            </a:r>
-          </a:p>
-        </p:txBody>
-      </p:sp>
-      <p:sp>
-        <p:nvSpPr>
-          <p:cNvPr id="3" name="Content Placeholder 2"/>
-          <p:cNvSpPr>
-            <a:spLocks noGrp="1"/>
-          </p:cNvSpPr>
-          <p:nvPr>
-            <p:ph idx="1"/>
-          </p:nvPr>
-        </p:nvSpPr>
-        <p:spPr/>
-        <p:txBody>
-          <a:bodyPr/>
-          <a:lstStyle/>
-          <a:p>
-            <a:r>
-              <a:rPr lang="en-US" dirty="0" smtClean="0"/>
-              <a:t>Training </a:t>
-            </a:r>
-            <a:r>
-              <a:rPr lang="en-US" dirty="0"/>
-              <a:t>is given in review techniques, </a:t>
-            </a:r>
-            <a:r>
-              <a:rPr lang="en-US" dirty="0" smtClean="0"/>
-              <a:t>especially the </a:t>
-            </a:r>
-            <a:r>
-              <a:rPr lang="en-US" dirty="0"/>
-              <a:t>more formal techniques, such as inspection.</a:t>
-            </a:r>
-          </a:p>
-          <a:p>
-            <a:r>
-              <a:rPr lang="en-US" dirty="0" smtClean="0"/>
-              <a:t>There </a:t>
-            </a:r>
-            <a:r>
-              <a:rPr lang="en-US" dirty="0"/>
-              <a:t>is an emphasis on learning and </a:t>
-            </a:r>
-            <a:r>
-              <a:rPr lang="en-US" dirty="0" smtClean="0"/>
-              <a:t>process improvement</a:t>
-            </a:r>
-            <a:endParaRPr lang="en-US" dirty="0"/>
-          </a:p>
-        </p:txBody>
-      </p:sp>
-      <p:sp>
-        <p:nvSpPr>
-          <p:cNvPr id="4" name="Slide Number Placeholder 3"/>
-          <p:cNvSpPr>
-            <a:spLocks noGrp="1"/>
-          </p:cNvSpPr>
-          <p:nvPr>
-            <p:ph type="sldNum" sz="quarter" idx="12"/>
-          </p:nvPr>
-        </p:nvSpPr>
-        <p:spPr/>
-        <p:txBody>
-          <a:bodyPr/>
-          <a:lstStyle/>
-          <a:p>
-            <a:fld id="{B8DACC02-A2BD-4578-8E03-6D891060A695}" type="slidenum">
-              <a:rPr lang="en-US" smtClean="0"/>
-              <a:pPr/>
-              <a:t>52</a:t>
             </a:fld>
             <a:endParaRPr lang="en-US" dirty="0"/>
           </a:p>
